--- a/angular2/slides/06_forms.pptx
+++ b/angular2/slides/06_forms.pptx
@@ -279,7 +279,7 @@
               <a:pPr>
                 <a:defRPr/>
               </a:pPr>
-              <a:t>12/28/2015</a:t>
+              <a:t>1/12/2016</a:t>
             </a:fld>
             <a:endParaRPr lang="en-US"/>
           </a:p>
@@ -2408,7 +2408,6 @@
               <a:rPr lang="en-US" sz="3200" dirty="0" smtClean="0"/>
               <a:t>Working with Forms</a:t>
             </a:r>
-            <a:endParaRPr lang="en-US" sz="3200" dirty="0" smtClean="0"/>
           </a:p>
           <a:p>
             <a:pPr defTabSz="914400" eaLnBrk="1" hangingPunct="1"/>
@@ -2424,7 +2423,6 @@
               <a:rPr lang="en-US" dirty="0" smtClean="0"/>
               <a:t>)]</a:t>
             </a:r>
-            <a:endParaRPr lang="en-US" dirty="0" smtClean="0"/>
           </a:p>
         </p:txBody>
       </p:sp>
@@ -2477,6 +2475,13 @@
   <p:transition>
     <p:fade/>
   </p:transition>
+  <p:timing>
+    <p:tnLst>
+      <p:par>
+        <p:cTn id="1" dur="indefinite" restart="never" nodeType="tmRoot"/>
+      </p:par>
+    </p:tnLst>
+  </p:timing>
 </p:sld>
 </file>
 
@@ -3935,6 +3940,13 @@
   <p:transition>
     <p:fade/>
   </p:transition>
+  <p:timing>
+    <p:tnLst>
+      <p:par>
+        <p:cTn id="1" dur="indefinite" restart="never" nodeType="tmRoot"/>
+      </p:par>
+    </p:tnLst>
+  </p:timing>
 </p:sld>
 </file>
 
@@ -4046,6 +4058,13 @@
   <p:transition>
     <p:fade/>
   </p:transition>
+  <p:timing>
+    <p:tnLst>
+      <p:par>
+        <p:cTn id="1" dur="indefinite" restart="never" nodeType="tmRoot"/>
+      </p:par>
+    </p:tnLst>
+  </p:timing>
 </p:sld>
 </file>
 
@@ -4362,6 +4381,13 @@
   <p:transition>
     <p:fade/>
   </p:transition>
+  <p:timing>
+    <p:tnLst>
+      <p:par>
+        <p:cTn id="1" dur="indefinite" restart="never" nodeType="tmRoot"/>
+      </p:par>
+    </p:tnLst>
+  </p:timing>
 </p:sld>
 </file>
 
@@ -4493,6 +4519,13 @@
   <p:transition>
     <p:fade/>
   </p:transition>
+  <p:timing>
+    <p:tnLst>
+      <p:par>
+        <p:cTn id="1" dur="indefinite" restart="never" nodeType="tmRoot"/>
+      </p:par>
+    </p:tnLst>
+  </p:timing>
 </p:sld>
 </file>
 
@@ -4764,6 +4797,13 @@
   <p:transition>
     <p:fade/>
   </p:transition>
+  <p:timing>
+    <p:tnLst>
+      <p:par>
+        <p:cTn id="1" dur="indefinite" restart="never" nodeType="tmRoot"/>
+      </p:par>
+    </p:tnLst>
+  </p:timing>
 </p:sld>
 </file>
 
@@ -5079,7 +5119,11 @@
           <a:p>
             <a:r>
               <a:rPr lang="en-US" dirty="0" smtClean="0"/>
-              <a:t>Will associate itself with a form </a:t>
+              <a:t>Will associate itself with </a:t>
+            </a:r>
+            <a:r>
+              <a:rPr lang="en-US" dirty="0" smtClean="0"/>
+              <a:t>an </a:t>
             </a:r>
             <a:r>
               <a:rPr lang="en-US" dirty="0" err="1" smtClean="0"/>
@@ -5126,6 +5170,13 @@
   <p:transition>
     <p:fade/>
   </p:transition>
+  <p:timing>
+    <p:tnLst>
+      <p:par>
+        <p:cTn id="1" dur="indefinite" restart="never" nodeType="tmRoot"/>
+      </p:par>
+    </p:tnLst>
+  </p:timing>
 </p:sld>
 </file>
 
@@ -5280,6 +5331,13 @@
   <p:transition>
     <p:fade/>
   </p:transition>
+  <p:timing>
+    <p:tnLst>
+      <p:par>
+        <p:cTn id="1" dur="indefinite" restart="never" nodeType="tmRoot"/>
+      </p:par>
+    </p:tnLst>
+  </p:timing>
 </p:sld>
 </file>
 
@@ -5422,6 +5480,13 @@
   <p:transition>
     <p:fade/>
   </p:transition>
+  <p:timing>
+    <p:tnLst>
+      <p:par>
+        <p:cTn id="1" dur="indefinite" restart="never" nodeType="tmRoot"/>
+      </p:par>
+    </p:tnLst>
+  </p:timing>
 </p:sld>
 </file>
 

--- a/angular2/slides/06_forms.pptx
+++ b/angular2/slides/06_forms.pptx
@@ -5,28 +5,26 @@
     <p:sldMasterId id="2147483772" r:id="rId1"/>
   </p:sldMasterIdLst>
   <p:notesMasterIdLst>
-    <p:notesMasterId r:id="rId18"/>
+    <p:notesMasterId r:id="rId16"/>
   </p:notesMasterIdLst>
   <p:handoutMasterIdLst>
-    <p:handoutMasterId r:id="rId19"/>
+    <p:handoutMasterId r:id="rId17"/>
   </p:handoutMasterIdLst>
   <p:sldIdLst>
     <p:sldId id="327" r:id="rId2"/>
     <p:sldId id="332" r:id="rId3"/>
-    <p:sldId id="328" r:id="rId4"/>
-    <p:sldId id="329" r:id="rId5"/>
-    <p:sldId id="330" r:id="rId6"/>
-    <p:sldId id="334" r:id="rId7"/>
-    <p:sldId id="342" r:id="rId8"/>
-    <p:sldId id="335" r:id="rId9"/>
-    <p:sldId id="331" r:id="rId10"/>
-    <p:sldId id="343" r:id="rId11"/>
+    <p:sldId id="344" r:id="rId4"/>
+    <p:sldId id="345" r:id="rId5"/>
+    <p:sldId id="346" r:id="rId6"/>
+    <p:sldId id="329" r:id="rId7"/>
+    <p:sldId id="347" r:id="rId8"/>
+    <p:sldId id="348" r:id="rId9"/>
+    <p:sldId id="349" r:id="rId10"/>
+    <p:sldId id="350" r:id="rId11"/>
     <p:sldId id="339" r:id="rId12"/>
-    <p:sldId id="337" r:id="rId13"/>
-    <p:sldId id="338" r:id="rId14"/>
-    <p:sldId id="340" r:id="rId15"/>
-    <p:sldId id="333" r:id="rId16"/>
-    <p:sldId id="341" r:id="rId17"/>
+    <p:sldId id="338" r:id="rId13"/>
+    <p:sldId id="340" r:id="rId14"/>
+    <p:sldId id="341" r:id="rId15"/>
   </p:sldIdLst>
   <p:sldSz cx="9144000" cy="6858000" type="screen4x3"/>
   <p:notesSz cx="7302500" cy="9588500"/>
@@ -279,7 +277,7 @@
               <a:pPr>
                 <a:defRPr/>
               </a:pPr>
-              <a:t>1/12/2016</a:t>
+              <a:t>7/28/2016</a:t>
             </a:fld>
             <a:endParaRPr lang="en-US"/>
           </a:p>
@@ -553,35 +551,35 @@
           <a:p>
             <a:pPr lvl="0"/>
             <a:r>
-              <a:rPr lang="en-US" noProof="0" smtClean="0"/>
+              <a:rPr lang="en-US" noProof="0"/>
               <a:t>Click to edit Master text styles</a:t>
             </a:r>
           </a:p>
           <a:p>
             <a:pPr lvl="1"/>
             <a:r>
-              <a:rPr lang="en-US" noProof="0" smtClean="0"/>
+              <a:rPr lang="en-US" noProof="0"/>
               <a:t>Second level</a:t>
             </a:r>
           </a:p>
           <a:p>
             <a:pPr lvl="2"/>
             <a:r>
-              <a:rPr lang="en-US" noProof="0" smtClean="0"/>
+              <a:rPr lang="en-US" noProof="0"/>
               <a:t>Third level</a:t>
             </a:r>
           </a:p>
           <a:p>
             <a:pPr lvl="3"/>
             <a:r>
-              <a:rPr lang="en-US" noProof="0" smtClean="0"/>
+              <a:rPr lang="en-US" noProof="0"/>
               <a:t>Fourth level</a:t>
             </a:r>
           </a:p>
           <a:p>
             <a:pPr lvl="4"/>
             <a:r>
-              <a:rPr lang="en-US" noProof="0" smtClean="0"/>
+              <a:rPr lang="en-US" noProof="0"/>
               <a:t>Fifth level</a:t>
             </a:r>
           </a:p>
@@ -862,7 +860,7 @@
               <a:pPr/>
               <a:t>1</a:t>
             </a:fld>
-            <a:endParaRPr lang="en-US" smtClean="0"/>
+            <a:endParaRPr lang="en-US"/>
           </a:p>
         </p:txBody>
       </p:sp>
@@ -903,7 +901,7 @@
           <a:lstStyle/>
           <a:p>
             <a:pPr eaLnBrk="1" hangingPunct="1"/>
-            <a:endParaRPr lang="en-US" smtClean="0"/>
+            <a:endParaRPr lang="en-US"/>
           </a:p>
         </p:txBody>
       </p:sp>
@@ -966,7 +964,7 @@
           </a:lstStyle>
           <a:p>
             <a:r>
-              <a:rPr lang="en-US" smtClean="0"/>
+              <a:rPr lang="en-US"/>
               <a:t>Click to edit Master title style</a:t>
             </a:r>
             <a:endParaRPr lang="en-US" dirty="0"/>
@@ -1002,7 +1000,7 @@
           </a:lstStyle>
           <a:p>
             <a:r>
-              <a:rPr lang="en-US" smtClean="0"/>
+              <a:rPr lang="en-US"/>
               <a:t>Click to edit Master subtitle style</a:t>
             </a:r>
             <a:endParaRPr lang="en-US" dirty="0"/>
@@ -1090,7 +1088,7 @@
           </a:lstStyle>
           <a:p>
             <a:r>
-              <a:rPr lang="en-US" smtClean="0"/>
+              <a:rPr lang="en-US"/>
               <a:t>Click to edit Master title style</a:t>
             </a:r>
             <a:endParaRPr lang="en-US" dirty="0"/>
@@ -1155,35 +1153,35 @@
           <a:p>
             <a:pPr lvl="0"/>
             <a:r>
-              <a:rPr lang="en-US" smtClean="0"/>
+              <a:rPr lang="en-US"/>
               <a:t>Click to edit Master text styles</a:t>
             </a:r>
           </a:p>
           <a:p>
             <a:pPr lvl="1"/>
             <a:r>
-              <a:rPr lang="en-US" smtClean="0"/>
+              <a:rPr lang="en-US"/>
               <a:t>Second level</a:t>
             </a:r>
           </a:p>
           <a:p>
             <a:pPr lvl="2"/>
             <a:r>
-              <a:rPr lang="en-US" smtClean="0"/>
+              <a:rPr lang="en-US"/>
               <a:t>Third level</a:t>
             </a:r>
           </a:p>
           <a:p>
             <a:pPr lvl="3"/>
             <a:r>
-              <a:rPr lang="en-US" smtClean="0"/>
+              <a:rPr lang="en-US"/>
               <a:t>Fourth level</a:t>
             </a:r>
           </a:p>
           <a:p>
             <a:pPr lvl="4"/>
             <a:r>
-              <a:rPr lang="en-US" smtClean="0"/>
+              <a:rPr lang="en-US"/>
               <a:t>Fifth level</a:t>
             </a:r>
             <a:endParaRPr lang="en-US" dirty="0"/>
@@ -1247,10 +1245,9 @@
           </a:lstStyle>
           <a:p>
             <a:r>
-              <a:rPr lang="en-US" dirty="0" smtClean="0"/>
+              <a:rPr lang="en-US" dirty="0"/>
               <a:t>References</a:t>
             </a:r>
-            <a:endParaRPr lang="en-US" dirty="0"/>
           </a:p>
         </p:txBody>
       </p:sp>
@@ -1312,35 +1309,35 @@
           <a:p>
             <a:pPr lvl="0"/>
             <a:r>
-              <a:rPr lang="en-US" smtClean="0"/>
+              <a:rPr lang="en-US"/>
               <a:t>Click to edit Master text styles</a:t>
             </a:r>
           </a:p>
           <a:p>
             <a:pPr lvl="1"/>
             <a:r>
-              <a:rPr lang="en-US" smtClean="0"/>
+              <a:rPr lang="en-US"/>
               <a:t>Second level</a:t>
             </a:r>
           </a:p>
           <a:p>
             <a:pPr lvl="2"/>
             <a:r>
-              <a:rPr lang="en-US" smtClean="0"/>
+              <a:rPr lang="en-US"/>
               <a:t>Third level</a:t>
             </a:r>
           </a:p>
           <a:p>
             <a:pPr lvl="3"/>
             <a:r>
-              <a:rPr lang="en-US" smtClean="0"/>
+              <a:rPr lang="en-US"/>
               <a:t>Fourth level</a:t>
             </a:r>
           </a:p>
           <a:p>
             <a:pPr lvl="4"/>
             <a:r>
-              <a:rPr lang="en-US" smtClean="0"/>
+              <a:rPr lang="en-US"/>
               <a:t>Fifth level</a:t>
             </a:r>
             <a:endParaRPr lang="en-US" dirty="0"/>
@@ -1396,10 +1393,9 @@
           <a:lstStyle/>
           <a:p>
             <a:r>
-              <a:rPr lang="en-US" smtClean="0"/>
+              <a:rPr lang="en-US"/>
               <a:t>Click to edit Master title style</a:t>
             </a:r>
-            <a:endParaRPr lang="en-US"/>
           </a:p>
         </p:txBody>
       </p:sp>
@@ -1440,7 +1436,7 @@
           <a:p>
             <a:pPr lvl="0"/>
             <a:r>
-              <a:rPr lang="en-US" smtClean="0"/>
+              <a:rPr lang="en-US"/>
               <a:t>Click to edit Master text styles</a:t>
             </a:r>
           </a:p>
@@ -1495,10 +1491,9 @@
           <a:lstStyle/>
           <a:p>
             <a:r>
-              <a:rPr lang="en-US" smtClean="0"/>
+              <a:rPr lang="en-US"/>
               <a:t>Click to edit Master title style</a:t>
             </a:r>
-            <a:endParaRPr lang="en-US"/>
           </a:p>
         </p:txBody>
       </p:sp>
@@ -1551,10 +1546,9 @@
           <a:lstStyle/>
           <a:p>
             <a:r>
-              <a:rPr lang="en-US" smtClean="0"/>
+              <a:rPr lang="en-US"/>
               <a:t>Click to edit Master title style</a:t>
             </a:r>
-            <a:endParaRPr lang="en-US"/>
           </a:p>
         </p:txBody>
       </p:sp>
@@ -1595,7 +1589,7 @@
           <a:p>
             <a:pPr lvl="0"/>
             <a:r>
-              <a:rPr lang="en-US" smtClean="0"/>
+              <a:rPr lang="en-US"/>
               <a:t>Click to edit Master text styles</a:t>
             </a:r>
           </a:p>
@@ -1645,10 +1639,9 @@
           <a:lstStyle/>
           <a:p>
             <a:r>
-              <a:rPr lang="en-US" smtClean="0"/>
+              <a:rPr lang="en-US"/>
               <a:t>Click to edit Master title style</a:t>
             </a:r>
-            <a:endParaRPr lang="en-US"/>
           </a:p>
         </p:txBody>
       </p:sp>
@@ -1724,35 +1717,35 @@
           <a:p>
             <a:pPr lvl="0"/>
             <a:r>
-              <a:rPr lang="en-US" smtClean="0"/>
+              <a:rPr lang="en-US"/>
               <a:t>Click to edit Master text styles</a:t>
             </a:r>
           </a:p>
           <a:p>
             <a:pPr lvl="1"/>
             <a:r>
-              <a:rPr lang="en-US" smtClean="0"/>
+              <a:rPr lang="en-US"/>
               <a:t>Second level</a:t>
             </a:r>
           </a:p>
           <a:p>
             <a:pPr lvl="2"/>
             <a:r>
-              <a:rPr lang="en-US" smtClean="0"/>
+              <a:rPr lang="en-US"/>
               <a:t>Third level</a:t>
             </a:r>
           </a:p>
           <a:p>
             <a:pPr lvl="3"/>
             <a:r>
-              <a:rPr lang="en-US" smtClean="0"/>
+              <a:rPr lang="en-US"/>
               <a:t>Fourth level</a:t>
             </a:r>
           </a:p>
           <a:p>
             <a:pPr lvl="4"/>
             <a:r>
-              <a:rPr lang="en-US" smtClean="0"/>
+              <a:rPr lang="en-US"/>
               <a:t>Fifth level</a:t>
             </a:r>
           </a:p>
@@ -1794,7 +1787,7 @@
           <a:p>
             <a:pPr lvl="0"/>
             <a:r>
-              <a:rPr lang="en-US" smtClean="0"/>
+              <a:rPr lang="en-US"/>
               <a:t>Click to edit Master title style</a:t>
             </a:r>
           </a:p>
@@ -2405,22 +2398,22 @@
           <a:p>
             <a:pPr defTabSz="914400" eaLnBrk="1" hangingPunct="1"/>
             <a:r>
-              <a:rPr lang="en-US" sz="3200" dirty="0" smtClean="0"/>
+              <a:rPr lang="en-US" sz="3200" dirty="0"/>
               <a:t>Working with Forms</a:t>
             </a:r>
           </a:p>
           <a:p>
             <a:pPr defTabSz="914400" eaLnBrk="1" hangingPunct="1"/>
             <a:r>
-              <a:rPr lang="en-US" dirty="0" smtClean="0"/>
+              <a:rPr lang="en-US" dirty="0"/>
               <a:t>[(</a:t>
             </a:r>
             <a:r>
-              <a:rPr lang="en-US" dirty="0" err="1" smtClean="0"/>
+              <a:rPr lang="en-US" dirty="0" err="1"/>
               <a:t>ngModel</a:t>
             </a:r>
             <a:r>
-              <a:rPr lang="en-US" dirty="0" smtClean="0"/>
+              <a:rPr lang="en-US" dirty="0"/>
               <a:t>)]</a:t>
             </a:r>
           </a:p>
@@ -2475,13 +2468,6 @@
   <p:transition>
     <p:fade/>
   </p:transition>
-  <p:timing>
-    <p:tnLst>
-      <p:par>
-        <p:cTn id="1" dur="indefinite" restart="never" nodeType="tmRoot"/>
-      </p:par>
-    </p:tnLst>
-  </p:timing>
 </p:sld>
 </file>
 
@@ -2518,14 +2504,9 @@
           <a:lstStyle/>
           <a:p>
             <a:r>
-              <a:rPr lang="en-US" dirty="0" smtClean="0"/>
-              <a:t>Using </a:t>
-            </a:r>
-            <a:r>
-              <a:rPr lang="en-US" dirty="0" err="1" smtClean="0"/>
-              <a:t>ngFormControl</a:t>
-            </a:r>
-            <a:endParaRPr lang="en-US" dirty="0"/>
+              <a:rPr lang="en-US" dirty="0"/>
+              <a:t>Controls In The Component</a:t>
+            </a:r>
           </a:p>
         </p:txBody>
       </p:sp>
@@ -2544,26 +2525,7 @@
           <a:bodyPr/>
           <a:lstStyle/>
           <a:p>
-            <a:r>
-              <a:rPr lang="en-US" dirty="0" smtClean="0"/>
-              <a:t>Bind into component form</a:t>
-            </a:r>
-          </a:p>
-          <a:p>
-            <a:r>
-              <a:rPr lang="en-US" dirty="0" smtClean="0"/>
-              <a:t>Can also use instance variables</a:t>
-            </a:r>
-          </a:p>
-          <a:p>
-            <a:pPr lvl="1"/>
-            <a:r>
-              <a:rPr lang="en-US" dirty="0" smtClean="0"/>
-              <a:t>Easy access from view but requires more code</a:t>
-            </a:r>
-          </a:p>
-          <a:p>
-            <a:endParaRPr lang="en-US" dirty="0"/>
+            <a:endParaRPr lang="en-US"/>
           </a:p>
         </p:txBody>
       </p:sp>
@@ -2583,56 +2545,8 @@
         </p:blipFill>
         <p:spPr>
           <a:xfrm>
-            <a:off x="228600" y="2647784"/>
-            <a:ext cx="6629400" cy="1866900"/>
-          </a:xfrm>
-          <a:prstGeom prst="rect">
-            <a:avLst/>
-          </a:prstGeom>
-        </p:spPr>
-      </p:pic>
-      <p:pic>
-        <p:nvPicPr>
-          <p:cNvPr id="6" name="Picture 5"/>
-          <p:cNvPicPr>
-            <a:picLocks noChangeAspect="1"/>
-          </p:cNvPicPr>
-          <p:nvPr/>
-        </p:nvPicPr>
-        <p:blipFill>
-          <a:blip r:embed="rId3"/>
-          <a:stretch>
-            <a:fillRect/>
-          </a:stretch>
-        </p:blipFill>
-        <p:spPr>
-          <a:xfrm>
-            <a:off x="425302" y="4824412"/>
-            <a:ext cx="4362450" cy="1400175"/>
-          </a:xfrm>
-          <a:prstGeom prst="rect">
-            <a:avLst/>
-          </a:prstGeom>
-        </p:spPr>
-      </p:pic>
-      <p:pic>
-        <p:nvPicPr>
-          <p:cNvPr id="7" name="Picture 6"/>
-          <p:cNvPicPr>
-            <a:picLocks noChangeAspect="1"/>
-          </p:cNvPicPr>
-          <p:nvPr/>
-        </p:nvPicPr>
-        <p:blipFill>
-          <a:blip r:embed="rId4"/>
-          <a:stretch>
-            <a:fillRect/>
-          </a:stretch>
-        </p:blipFill>
-        <p:spPr>
-          <a:xfrm>
-            <a:off x="3886200" y="5000625"/>
-            <a:ext cx="4676775" cy="285750"/>
+            <a:off x="457200" y="2514600"/>
+            <a:ext cx="8324850" cy="3327537"/>
           </a:xfrm>
           <a:prstGeom prst="rect">
             <a:avLst/>
@@ -2642,7 +2556,7 @@
     </p:spTree>
     <p:extLst>
       <p:ext uri="{BB962C8B-B14F-4D97-AF65-F5344CB8AC3E}">
-        <p14:creationId xmlns:p14="http://schemas.microsoft.com/office/powerpoint/2010/main" val="3437146631"/>
+        <p14:creationId xmlns:p14="http://schemas.microsoft.com/office/powerpoint/2010/main" val="2321243791"/>
       </p:ext>
     </p:extLst>
   </p:cSld>
@@ -2652,299 +2566,6 @@
   <p:transition>
     <p:fade/>
   </p:transition>
-  <p:timing>
-    <p:tnLst>
-      <p:par>
-        <p:cTn id="1" dur="indefinite" restart="never" nodeType="tmRoot">
-          <p:childTnLst>
-            <p:seq concurrent="1" nextAc="seek">
-              <p:cTn id="2" dur="indefinite" nodeType="mainSeq">
-                <p:childTnLst>
-                  <p:par>
-                    <p:cTn id="3" fill="hold">
-                      <p:stCondLst>
-                        <p:cond delay="indefinite"/>
-                      </p:stCondLst>
-                      <p:childTnLst>
-                        <p:par>
-                          <p:cTn id="4" fill="hold">
-                            <p:stCondLst>
-                              <p:cond delay="0"/>
-                            </p:stCondLst>
-                            <p:childTnLst>
-                              <p:par>
-                                <p:cTn id="5" presetID="10" presetClass="entr" presetSubtype="0" fill="hold" nodeType="clickEffect">
-                                  <p:stCondLst>
-                                    <p:cond delay="0"/>
-                                  </p:stCondLst>
-                                  <p:childTnLst>
-                                    <p:set>
-                                      <p:cBhvr>
-                                        <p:cTn id="6" dur="1" fill="hold">
-                                          <p:stCondLst>
-                                            <p:cond delay="0"/>
-                                          </p:stCondLst>
-                                        </p:cTn>
-                                        <p:tgtEl>
-                                          <p:spTgt spid="4"/>
-                                        </p:tgtEl>
-                                        <p:attrNameLst>
-                                          <p:attrName>style.visibility</p:attrName>
-                                        </p:attrNameLst>
-                                      </p:cBhvr>
-                                      <p:to>
-                                        <p:strVal val="visible"/>
-                                      </p:to>
-                                    </p:set>
-                                    <p:animEffect transition="in" filter="fade">
-                                      <p:cBhvr>
-                                        <p:cTn id="7" dur="500"/>
-                                        <p:tgtEl>
-                                          <p:spTgt spid="4"/>
-                                        </p:tgtEl>
-                                      </p:cBhvr>
-                                    </p:animEffect>
-                                  </p:childTnLst>
-                                </p:cTn>
-                              </p:par>
-                            </p:childTnLst>
-                          </p:cTn>
-                        </p:par>
-                      </p:childTnLst>
-                    </p:cTn>
-                  </p:par>
-                  <p:par>
-                    <p:cTn id="8" fill="hold">
-                      <p:stCondLst>
-                        <p:cond delay="indefinite"/>
-                      </p:stCondLst>
-                      <p:childTnLst>
-                        <p:par>
-                          <p:cTn id="9" fill="hold">
-                            <p:stCondLst>
-                              <p:cond delay="0"/>
-                            </p:stCondLst>
-                            <p:childTnLst>
-                              <p:par>
-                                <p:cTn id="10" presetID="10" presetClass="entr" presetSubtype="0" fill="hold" nodeType="clickEffect">
-                                  <p:stCondLst>
-                                    <p:cond delay="0"/>
-                                  </p:stCondLst>
-                                  <p:childTnLst>
-                                    <p:set>
-                                      <p:cBhvr>
-                                        <p:cTn id="11" dur="1" fill="hold">
-                                          <p:stCondLst>
-                                            <p:cond delay="0"/>
-                                          </p:stCondLst>
-                                        </p:cTn>
-                                        <p:tgtEl>
-                                          <p:spTgt spid="3">
-                                            <p:txEl>
-                                              <p:pRg st="1" end="1"/>
-                                            </p:txEl>
-                                          </p:spTgt>
-                                        </p:tgtEl>
-                                        <p:attrNameLst>
-                                          <p:attrName>style.visibility</p:attrName>
-                                        </p:attrNameLst>
-                                      </p:cBhvr>
-                                      <p:to>
-                                        <p:strVal val="visible"/>
-                                      </p:to>
-                                    </p:set>
-                                    <p:animEffect transition="in" filter="fade">
-                                      <p:cBhvr>
-                                        <p:cTn id="12" dur="500"/>
-                                        <p:tgtEl>
-                                          <p:spTgt spid="3">
-                                            <p:txEl>
-                                              <p:pRg st="1" end="1"/>
-                                            </p:txEl>
-                                          </p:spTgt>
-                                        </p:tgtEl>
-                                      </p:cBhvr>
-                                    </p:animEffect>
-                                  </p:childTnLst>
-                                </p:cTn>
-                              </p:par>
-                            </p:childTnLst>
-                          </p:cTn>
-                        </p:par>
-                      </p:childTnLst>
-                    </p:cTn>
-                  </p:par>
-                  <p:par>
-                    <p:cTn id="13" fill="hold">
-                      <p:stCondLst>
-                        <p:cond delay="indefinite"/>
-                      </p:stCondLst>
-                      <p:childTnLst>
-                        <p:par>
-                          <p:cTn id="14" fill="hold">
-                            <p:stCondLst>
-                              <p:cond delay="0"/>
-                            </p:stCondLst>
-                            <p:childTnLst>
-                              <p:par>
-                                <p:cTn id="15" presetID="10" presetClass="entr" presetSubtype="0" fill="hold" nodeType="clickEffect">
-                                  <p:stCondLst>
-                                    <p:cond delay="0"/>
-                                  </p:stCondLst>
-                                  <p:childTnLst>
-                                    <p:set>
-                                      <p:cBhvr>
-                                        <p:cTn id="16" dur="1" fill="hold">
-                                          <p:stCondLst>
-                                            <p:cond delay="0"/>
-                                          </p:stCondLst>
-                                        </p:cTn>
-                                        <p:tgtEl>
-                                          <p:spTgt spid="3">
-                                            <p:txEl>
-                                              <p:pRg st="2" end="2"/>
-                                            </p:txEl>
-                                          </p:spTgt>
-                                        </p:tgtEl>
-                                        <p:attrNameLst>
-                                          <p:attrName>style.visibility</p:attrName>
-                                        </p:attrNameLst>
-                                      </p:cBhvr>
-                                      <p:to>
-                                        <p:strVal val="visible"/>
-                                      </p:to>
-                                    </p:set>
-                                    <p:animEffect transition="in" filter="fade">
-                                      <p:cBhvr>
-                                        <p:cTn id="17" dur="500"/>
-                                        <p:tgtEl>
-                                          <p:spTgt spid="3">
-                                            <p:txEl>
-                                              <p:pRg st="2" end="2"/>
-                                            </p:txEl>
-                                          </p:spTgt>
-                                        </p:tgtEl>
-                                      </p:cBhvr>
-                                    </p:animEffect>
-                                  </p:childTnLst>
-                                </p:cTn>
-                              </p:par>
-                            </p:childTnLst>
-                          </p:cTn>
-                        </p:par>
-                      </p:childTnLst>
-                    </p:cTn>
-                  </p:par>
-                  <p:par>
-                    <p:cTn id="18" fill="hold">
-                      <p:stCondLst>
-                        <p:cond delay="indefinite"/>
-                      </p:stCondLst>
-                      <p:childTnLst>
-                        <p:par>
-                          <p:cTn id="19" fill="hold">
-                            <p:stCondLst>
-                              <p:cond delay="0"/>
-                            </p:stCondLst>
-                            <p:childTnLst>
-                              <p:par>
-                                <p:cTn id="20" presetID="10" presetClass="entr" presetSubtype="0" fill="hold" nodeType="clickEffect">
-                                  <p:stCondLst>
-                                    <p:cond delay="0"/>
-                                  </p:stCondLst>
-                                  <p:childTnLst>
-                                    <p:set>
-                                      <p:cBhvr>
-                                        <p:cTn id="21" dur="1" fill="hold">
-                                          <p:stCondLst>
-                                            <p:cond delay="0"/>
-                                          </p:stCondLst>
-                                        </p:cTn>
-                                        <p:tgtEl>
-                                          <p:spTgt spid="6"/>
-                                        </p:tgtEl>
-                                        <p:attrNameLst>
-                                          <p:attrName>style.visibility</p:attrName>
-                                        </p:attrNameLst>
-                                      </p:cBhvr>
-                                      <p:to>
-                                        <p:strVal val="visible"/>
-                                      </p:to>
-                                    </p:set>
-                                    <p:animEffect transition="in" filter="fade">
-                                      <p:cBhvr>
-                                        <p:cTn id="22" dur="500"/>
-                                        <p:tgtEl>
-                                          <p:spTgt spid="6"/>
-                                        </p:tgtEl>
-                                      </p:cBhvr>
-                                    </p:animEffect>
-                                  </p:childTnLst>
-                                </p:cTn>
-                              </p:par>
-                              <p:par>
-                                <p:cTn id="23" presetID="10" presetClass="entr" presetSubtype="0" fill="hold" nodeType="withEffect">
-                                  <p:stCondLst>
-                                    <p:cond delay="0"/>
-                                  </p:stCondLst>
-                                  <p:childTnLst>
-                                    <p:set>
-                                      <p:cBhvr>
-                                        <p:cTn id="24" dur="1" fill="hold">
-                                          <p:stCondLst>
-                                            <p:cond delay="0"/>
-                                          </p:stCondLst>
-                                        </p:cTn>
-                                        <p:tgtEl>
-                                          <p:spTgt spid="7"/>
-                                        </p:tgtEl>
-                                        <p:attrNameLst>
-                                          <p:attrName>style.visibility</p:attrName>
-                                        </p:attrNameLst>
-                                      </p:cBhvr>
-                                      <p:to>
-                                        <p:strVal val="visible"/>
-                                      </p:to>
-                                    </p:set>
-                                    <p:animEffect transition="in" filter="fade">
-                                      <p:cBhvr>
-                                        <p:cTn id="25" dur="500"/>
-                                        <p:tgtEl>
-                                          <p:spTgt spid="7"/>
-                                        </p:tgtEl>
-                                      </p:cBhvr>
-                                    </p:animEffect>
-                                  </p:childTnLst>
-                                </p:cTn>
-                              </p:par>
-                            </p:childTnLst>
-                          </p:cTn>
-                        </p:par>
-                      </p:childTnLst>
-                    </p:cTn>
-                  </p:par>
-                </p:childTnLst>
-              </p:cTn>
-              <p:prevCondLst>
-                <p:cond evt="onPrev" delay="0">
-                  <p:tgtEl>
-                    <p:sldTgt/>
-                  </p:tgtEl>
-                </p:cond>
-              </p:prevCondLst>
-              <p:nextCondLst>
-                <p:cond evt="onNext" delay="0">
-                  <p:tgtEl>
-                    <p:sldTgt/>
-                  </p:tgtEl>
-                </p:cond>
-              </p:nextCondLst>
-            </p:seq>
-          </p:childTnLst>
-        </p:cTn>
-      </p:par>
-    </p:tnLst>
-  </p:timing>
 </p:sld>
 </file>
 
@@ -2981,10 +2602,9 @@
           <a:lstStyle/>
           <a:p>
             <a:r>
-              <a:rPr lang="en-US" dirty="0" smtClean="0"/>
+              <a:rPr lang="en-US" dirty="0"/>
               <a:t>Validations</a:t>
             </a:r>
-            <a:endParaRPr lang="en-US" dirty="0"/>
           </a:p>
         </p:txBody>
       </p:sp>
@@ -3004,16 +2624,15 @@
           <a:lstStyle/>
           <a:p>
             <a:r>
-              <a:rPr lang="en-US" dirty="0" smtClean="0"/>
+              <a:rPr lang="en-US" dirty="0"/>
               <a:t>HTML validation attributes (implicit)</a:t>
             </a:r>
           </a:p>
           <a:p>
             <a:r>
-              <a:rPr lang="en-US" dirty="0" smtClean="0"/>
+              <a:rPr lang="en-US" dirty="0"/>
               <a:t>Register validations during form building (explicit)</a:t>
             </a:r>
-            <a:endParaRPr lang="en-US" dirty="0"/>
           </a:p>
         </p:txBody>
       </p:sp>
@@ -3311,10 +2930,9 @@
           <a:lstStyle/>
           <a:p>
             <a:r>
-              <a:rPr lang="en-US" dirty="0" smtClean="0"/>
-              <a:t>Visual Feedback</a:t>
-            </a:r>
-            <a:endParaRPr lang="en-US" dirty="0"/>
+              <a:rPr lang="en-US" dirty="0"/>
+              <a:t>Custom Validations</a:t>
+            </a:r>
           </a:p>
         </p:txBody>
       </p:sp>
@@ -3335,571 +2953,14 @@
           <a:p>
             <a:r>
               <a:rPr lang="en-US" dirty="0"/>
-              <a:t>Many options</a:t>
-            </a:r>
-          </a:p>
-          <a:p>
-            <a:pPr lvl="1"/>
-            <a:r>
-              <a:rPr lang="en-US" dirty="0" smtClean="0"/>
-              <a:t>Bind </a:t>
-            </a:r>
+              <a:t>Functions that take a control reference</a:t>
+            </a:r>
+          </a:p>
+          <a:p>
             <a:r>
               <a:rPr lang="en-US" dirty="0"/>
-              <a:t>to control or form valid property</a:t>
-            </a:r>
-          </a:p>
-          <a:p>
-            <a:pPr lvl="1"/>
-            <a:r>
-              <a:rPr lang="en-US" dirty="0"/>
-              <a:t>Use </a:t>
-            </a:r>
-            <a:r>
-              <a:rPr lang="en-US" dirty="0" err="1" smtClean="0"/>
-              <a:t>hasError</a:t>
-            </a:r>
-            <a:endParaRPr lang="en-US" dirty="0" smtClean="0"/>
-          </a:p>
-          <a:p>
-            <a:pPr lvl="1"/>
-            <a:r>
-              <a:rPr lang="en-US" dirty="0" smtClean="0"/>
-              <a:t>Use automatic CSS classes</a:t>
-            </a:r>
-            <a:endParaRPr lang="en-US" dirty="0"/>
-          </a:p>
-          <a:p>
-            <a:endParaRPr lang="en-US" dirty="0"/>
-          </a:p>
-        </p:txBody>
-      </p:sp>
-      <p:pic>
-        <p:nvPicPr>
-          <p:cNvPr id="4" name="Picture 3"/>
-          <p:cNvPicPr>
-            <a:picLocks noChangeAspect="1"/>
-          </p:cNvPicPr>
-          <p:nvPr/>
-        </p:nvPicPr>
-        <p:blipFill>
-          <a:blip r:embed="rId2"/>
-          <a:stretch>
-            <a:fillRect/>
-          </a:stretch>
-        </p:blipFill>
-        <p:spPr>
-          <a:xfrm>
-            <a:off x="914400" y="3276600"/>
-            <a:ext cx="4505325" cy="561975"/>
-          </a:xfrm>
-          <a:prstGeom prst="rect">
-            <a:avLst/>
-          </a:prstGeom>
-        </p:spPr>
-      </p:pic>
-      <p:pic>
-        <p:nvPicPr>
-          <p:cNvPr id="5" name="Picture 4"/>
-          <p:cNvPicPr>
-            <a:picLocks noChangeAspect="1"/>
-          </p:cNvPicPr>
-          <p:nvPr/>
-        </p:nvPicPr>
-        <p:blipFill>
-          <a:blip r:embed="rId3"/>
-          <a:stretch>
-            <a:fillRect/>
-          </a:stretch>
-        </p:blipFill>
-        <p:spPr>
-          <a:xfrm>
-            <a:off x="4724400" y="4863731"/>
-            <a:ext cx="3571875" cy="1400175"/>
-          </a:xfrm>
-          <a:prstGeom prst="rect">
-            <a:avLst/>
-          </a:prstGeom>
-        </p:spPr>
-      </p:pic>
-      <p:pic>
-        <p:nvPicPr>
-          <p:cNvPr id="6" name="Picture 5"/>
-          <p:cNvPicPr>
-            <a:picLocks noChangeAspect="1"/>
-          </p:cNvPicPr>
-          <p:nvPr/>
-        </p:nvPicPr>
-        <p:blipFill>
-          <a:blip r:embed="rId4"/>
-          <a:stretch>
-            <a:fillRect/>
-          </a:stretch>
-        </p:blipFill>
-        <p:spPr>
-          <a:xfrm>
-            <a:off x="1600200" y="4010025"/>
-            <a:ext cx="6591300" cy="542925"/>
-          </a:xfrm>
-          <a:prstGeom prst="rect">
-            <a:avLst/>
-          </a:prstGeom>
-        </p:spPr>
-      </p:pic>
-    </p:spTree>
-    <p:extLst>
-      <p:ext uri="{BB962C8B-B14F-4D97-AF65-F5344CB8AC3E}">
-        <p14:creationId xmlns:p14="http://schemas.microsoft.com/office/powerpoint/2010/main" val="2934112732"/>
-      </p:ext>
-    </p:extLst>
-  </p:cSld>
-  <p:clrMapOvr>
-    <a:masterClrMapping/>
-  </p:clrMapOvr>
-  <p:transition>
-    <p:fade/>
-  </p:transition>
-  <p:timing>
-    <p:tnLst>
-      <p:par>
-        <p:cTn id="1" dur="indefinite" restart="never" nodeType="tmRoot">
-          <p:childTnLst>
-            <p:seq concurrent="1" nextAc="seek">
-              <p:cTn id="2" dur="indefinite" nodeType="mainSeq">
-                <p:childTnLst>
-                  <p:par>
-                    <p:cTn id="3" fill="hold">
-                      <p:stCondLst>
-                        <p:cond delay="indefinite"/>
-                      </p:stCondLst>
-                      <p:childTnLst>
-                        <p:par>
-                          <p:cTn id="4" fill="hold">
-                            <p:stCondLst>
-                              <p:cond delay="0"/>
-                            </p:stCondLst>
-                            <p:childTnLst>
-                              <p:par>
-                                <p:cTn id="5" presetID="10" presetClass="entr" presetSubtype="0" fill="hold" nodeType="clickEffect">
-                                  <p:stCondLst>
-                                    <p:cond delay="0"/>
-                                  </p:stCondLst>
-                                  <p:childTnLst>
-                                    <p:set>
-                                      <p:cBhvr>
-                                        <p:cTn id="6" dur="1" fill="hold">
-                                          <p:stCondLst>
-                                            <p:cond delay="0"/>
-                                          </p:stCondLst>
-                                        </p:cTn>
-                                        <p:tgtEl>
-                                          <p:spTgt spid="3">
-                                            <p:txEl>
-                                              <p:pRg st="1" end="1"/>
-                                            </p:txEl>
-                                          </p:spTgt>
-                                        </p:tgtEl>
-                                        <p:attrNameLst>
-                                          <p:attrName>style.visibility</p:attrName>
-                                        </p:attrNameLst>
-                                      </p:cBhvr>
-                                      <p:to>
-                                        <p:strVal val="visible"/>
-                                      </p:to>
-                                    </p:set>
-                                    <p:animEffect transition="in" filter="fade">
-                                      <p:cBhvr>
-                                        <p:cTn id="7" dur="500"/>
-                                        <p:tgtEl>
-                                          <p:spTgt spid="3">
-                                            <p:txEl>
-                                              <p:pRg st="1" end="1"/>
-                                            </p:txEl>
-                                          </p:spTgt>
-                                        </p:tgtEl>
-                                      </p:cBhvr>
-                                    </p:animEffect>
-                                  </p:childTnLst>
-                                </p:cTn>
-                              </p:par>
-                            </p:childTnLst>
-                          </p:cTn>
-                        </p:par>
-                      </p:childTnLst>
-                    </p:cTn>
-                  </p:par>
-                  <p:par>
-                    <p:cTn id="8" fill="hold">
-                      <p:stCondLst>
-                        <p:cond delay="indefinite"/>
-                      </p:stCondLst>
-                      <p:childTnLst>
-                        <p:par>
-                          <p:cTn id="9" fill="hold">
-                            <p:stCondLst>
-                              <p:cond delay="0"/>
-                            </p:stCondLst>
-                            <p:childTnLst>
-                              <p:par>
-                                <p:cTn id="10" presetID="10" presetClass="entr" presetSubtype="0" fill="hold" nodeType="clickEffect">
-                                  <p:stCondLst>
-                                    <p:cond delay="0"/>
-                                  </p:stCondLst>
-                                  <p:childTnLst>
-                                    <p:set>
-                                      <p:cBhvr>
-                                        <p:cTn id="11" dur="1" fill="hold">
-                                          <p:stCondLst>
-                                            <p:cond delay="0"/>
-                                          </p:stCondLst>
-                                        </p:cTn>
-                                        <p:tgtEl>
-                                          <p:spTgt spid="4"/>
-                                        </p:tgtEl>
-                                        <p:attrNameLst>
-                                          <p:attrName>style.visibility</p:attrName>
-                                        </p:attrNameLst>
-                                      </p:cBhvr>
-                                      <p:to>
-                                        <p:strVal val="visible"/>
-                                      </p:to>
-                                    </p:set>
-                                    <p:animEffect transition="in" filter="fade">
-                                      <p:cBhvr>
-                                        <p:cTn id="12" dur="500"/>
-                                        <p:tgtEl>
-                                          <p:spTgt spid="4"/>
-                                        </p:tgtEl>
-                                      </p:cBhvr>
-                                    </p:animEffect>
-                                  </p:childTnLst>
-                                </p:cTn>
-                              </p:par>
-                            </p:childTnLst>
-                          </p:cTn>
-                        </p:par>
-                      </p:childTnLst>
-                    </p:cTn>
-                  </p:par>
-                  <p:par>
-                    <p:cTn id="13" fill="hold">
-                      <p:stCondLst>
-                        <p:cond delay="indefinite"/>
-                      </p:stCondLst>
-                      <p:childTnLst>
-                        <p:par>
-                          <p:cTn id="14" fill="hold">
-                            <p:stCondLst>
-                              <p:cond delay="0"/>
-                            </p:stCondLst>
-                            <p:childTnLst>
-                              <p:par>
-                                <p:cTn id="15" presetID="10" presetClass="entr" presetSubtype="0" fill="hold" nodeType="clickEffect">
-                                  <p:stCondLst>
-                                    <p:cond delay="0"/>
-                                  </p:stCondLst>
-                                  <p:childTnLst>
-                                    <p:set>
-                                      <p:cBhvr>
-                                        <p:cTn id="16" dur="1" fill="hold">
-                                          <p:stCondLst>
-                                            <p:cond delay="0"/>
-                                          </p:stCondLst>
-                                        </p:cTn>
-                                        <p:tgtEl>
-                                          <p:spTgt spid="3">
-                                            <p:txEl>
-                                              <p:pRg st="2" end="2"/>
-                                            </p:txEl>
-                                          </p:spTgt>
-                                        </p:tgtEl>
-                                        <p:attrNameLst>
-                                          <p:attrName>style.visibility</p:attrName>
-                                        </p:attrNameLst>
-                                      </p:cBhvr>
-                                      <p:to>
-                                        <p:strVal val="visible"/>
-                                      </p:to>
-                                    </p:set>
-                                    <p:animEffect transition="in" filter="fade">
-                                      <p:cBhvr>
-                                        <p:cTn id="17" dur="500"/>
-                                        <p:tgtEl>
-                                          <p:spTgt spid="3">
-                                            <p:txEl>
-                                              <p:pRg st="2" end="2"/>
-                                            </p:txEl>
-                                          </p:spTgt>
-                                        </p:tgtEl>
-                                      </p:cBhvr>
-                                    </p:animEffect>
-                                  </p:childTnLst>
-                                </p:cTn>
-                              </p:par>
-                            </p:childTnLst>
-                          </p:cTn>
-                        </p:par>
-                      </p:childTnLst>
-                    </p:cTn>
-                  </p:par>
-                  <p:par>
-                    <p:cTn id="18" fill="hold">
-                      <p:stCondLst>
-                        <p:cond delay="indefinite"/>
-                      </p:stCondLst>
-                      <p:childTnLst>
-                        <p:par>
-                          <p:cTn id="19" fill="hold">
-                            <p:stCondLst>
-                              <p:cond delay="0"/>
-                            </p:stCondLst>
-                            <p:childTnLst>
-                              <p:par>
-                                <p:cTn id="20" presetID="10" presetClass="entr" presetSubtype="0" fill="hold" nodeType="clickEffect">
-                                  <p:stCondLst>
-                                    <p:cond delay="0"/>
-                                  </p:stCondLst>
-                                  <p:childTnLst>
-                                    <p:set>
-                                      <p:cBhvr>
-                                        <p:cTn id="21" dur="1" fill="hold">
-                                          <p:stCondLst>
-                                            <p:cond delay="0"/>
-                                          </p:stCondLst>
-                                        </p:cTn>
-                                        <p:tgtEl>
-                                          <p:spTgt spid="6"/>
-                                        </p:tgtEl>
-                                        <p:attrNameLst>
-                                          <p:attrName>style.visibility</p:attrName>
-                                        </p:attrNameLst>
-                                      </p:cBhvr>
-                                      <p:to>
-                                        <p:strVal val="visible"/>
-                                      </p:to>
-                                    </p:set>
-                                    <p:animEffect transition="in" filter="fade">
-                                      <p:cBhvr>
-                                        <p:cTn id="22" dur="500"/>
-                                        <p:tgtEl>
-                                          <p:spTgt spid="6"/>
-                                        </p:tgtEl>
-                                      </p:cBhvr>
-                                    </p:animEffect>
-                                  </p:childTnLst>
-                                </p:cTn>
-                              </p:par>
-                            </p:childTnLst>
-                          </p:cTn>
-                        </p:par>
-                      </p:childTnLst>
-                    </p:cTn>
-                  </p:par>
-                  <p:par>
-                    <p:cTn id="23" fill="hold">
-                      <p:stCondLst>
-                        <p:cond delay="indefinite"/>
-                      </p:stCondLst>
-                      <p:childTnLst>
-                        <p:par>
-                          <p:cTn id="24" fill="hold">
-                            <p:stCondLst>
-                              <p:cond delay="0"/>
-                            </p:stCondLst>
-                            <p:childTnLst>
-                              <p:par>
-                                <p:cTn id="25" presetID="10" presetClass="entr" presetSubtype="0" fill="hold" nodeType="clickEffect">
-                                  <p:stCondLst>
-                                    <p:cond delay="0"/>
-                                  </p:stCondLst>
-                                  <p:childTnLst>
-                                    <p:set>
-                                      <p:cBhvr>
-                                        <p:cTn id="26" dur="1" fill="hold">
-                                          <p:stCondLst>
-                                            <p:cond delay="0"/>
-                                          </p:stCondLst>
-                                        </p:cTn>
-                                        <p:tgtEl>
-                                          <p:spTgt spid="3">
-                                            <p:txEl>
-                                              <p:pRg st="3" end="3"/>
-                                            </p:txEl>
-                                          </p:spTgt>
-                                        </p:tgtEl>
-                                        <p:attrNameLst>
-                                          <p:attrName>style.visibility</p:attrName>
-                                        </p:attrNameLst>
-                                      </p:cBhvr>
-                                      <p:to>
-                                        <p:strVal val="visible"/>
-                                      </p:to>
-                                    </p:set>
-                                    <p:animEffect transition="in" filter="fade">
-                                      <p:cBhvr>
-                                        <p:cTn id="27" dur="500"/>
-                                        <p:tgtEl>
-                                          <p:spTgt spid="3">
-                                            <p:txEl>
-                                              <p:pRg st="3" end="3"/>
-                                            </p:txEl>
-                                          </p:spTgt>
-                                        </p:tgtEl>
-                                      </p:cBhvr>
-                                    </p:animEffect>
-                                  </p:childTnLst>
-                                </p:cTn>
-                              </p:par>
-                            </p:childTnLst>
-                          </p:cTn>
-                        </p:par>
-                      </p:childTnLst>
-                    </p:cTn>
-                  </p:par>
-                  <p:par>
-                    <p:cTn id="28" fill="hold">
-                      <p:stCondLst>
-                        <p:cond delay="indefinite"/>
-                      </p:stCondLst>
-                      <p:childTnLst>
-                        <p:par>
-                          <p:cTn id="29" fill="hold">
-                            <p:stCondLst>
-                              <p:cond delay="0"/>
-                            </p:stCondLst>
-                            <p:childTnLst>
-                              <p:par>
-                                <p:cTn id="30" presetID="10" presetClass="entr" presetSubtype="0" fill="hold" nodeType="clickEffect">
-                                  <p:stCondLst>
-                                    <p:cond delay="0"/>
-                                  </p:stCondLst>
-                                  <p:childTnLst>
-                                    <p:set>
-                                      <p:cBhvr>
-                                        <p:cTn id="31" dur="1" fill="hold">
-                                          <p:stCondLst>
-                                            <p:cond delay="0"/>
-                                          </p:stCondLst>
-                                        </p:cTn>
-                                        <p:tgtEl>
-                                          <p:spTgt spid="5"/>
-                                        </p:tgtEl>
-                                        <p:attrNameLst>
-                                          <p:attrName>style.visibility</p:attrName>
-                                        </p:attrNameLst>
-                                      </p:cBhvr>
-                                      <p:to>
-                                        <p:strVal val="visible"/>
-                                      </p:to>
-                                    </p:set>
-                                    <p:animEffect transition="in" filter="fade">
-                                      <p:cBhvr>
-                                        <p:cTn id="32" dur="500"/>
-                                        <p:tgtEl>
-                                          <p:spTgt spid="5"/>
-                                        </p:tgtEl>
-                                      </p:cBhvr>
-                                    </p:animEffect>
-                                  </p:childTnLst>
-                                </p:cTn>
-                              </p:par>
-                            </p:childTnLst>
-                          </p:cTn>
-                        </p:par>
-                      </p:childTnLst>
-                    </p:cTn>
-                  </p:par>
-                </p:childTnLst>
-              </p:cTn>
-              <p:prevCondLst>
-                <p:cond evt="onPrev" delay="0">
-                  <p:tgtEl>
-                    <p:sldTgt/>
-                  </p:tgtEl>
-                </p:cond>
-              </p:prevCondLst>
-              <p:nextCondLst>
-                <p:cond evt="onNext" delay="0">
-                  <p:tgtEl>
-                    <p:sldTgt/>
-                  </p:tgtEl>
-                </p:cond>
-              </p:nextCondLst>
-            </p:seq>
-          </p:childTnLst>
-        </p:cTn>
-      </p:par>
-    </p:tnLst>
-  </p:timing>
-</p:sld>
-</file>
-
-<file path=ppt/slides/slide13.xml><?xml version="1.0" encoding="utf-8"?>
-<p:sld xmlns:a="http://schemas.openxmlformats.org/drawingml/2006/main" xmlns:r="http://schemas.openxmlformats.org/officeDocument/2006/relationships" xmlns:p="http://schemas.openxmlformats.org/presentationml/2006/main">
-  <p:cSld>
-    <p:spTree>
-      <p:nvGrpSpPr>
-        <p:cNvPr id="1" name=""/>
-        <p:cNvGrpSpPr/>
-        <p:nvPr/>
-      </p:nvGrpSpPr>
-      <p:grpSpPr>
-        <a:xfrm>
-          <a:off x="0" y="0"/>
-          <a:ext cx="0" cy="0"/>
-          <a:chOff x="0" y="0"/>
-          <a:chExt cx="0" cy="0"/>
-        </a:xfrm>
-      </p:grpSpPr>
-      <p:sp>
-        <p:nvSpPr>
-          <p:cNvPr id="2" name="Title 1"/>
-          <p:cNvSpPr>
-            <a:spLocks noGrp="1"/>
-          </p:cNvSpPr>
-          <p:nvPr>
-            <p:ph type="title"/>
-          </p:nvPr>
-        </p:nvSpPr>
-        <p:spPr/>
-        <p:txBody>
-          <a:bodyPr/>
-          <a:lstStyle/>
-          <a:p>
-            <a:r>
-              <a:rPr lang="en-US" dirty="0" smtClean="0"/>
-              <a:t>Custom Validations</a:t>
-            </a:r>
-            <a:endParaRPr lang="en-US" dirty="0"/>
-          </a:p>
-        </p:txBody>
-      </p:sp>
-      <p:sp>
-        <p:nvSpPr>
-          <p:cNvPr id="3" name="Text Placeholder 2"/>
-          <p:cNvSpPr>
-            <a:spLocks noGrp="1"/>
-          </p:cNvSpPr>
-          <p:nvPr>
-            <p:ph type="body" idx="1"/>
-          </p:nvPr>
-        </p:nvSpPr>
-        <p:spPr/>
-        <p:txBody>
-          <a:bodyPr/>
-          <a:lstStyle/>
-          <a:p>
-            <a:r>
-              <a:rPr lang="en-US" dirty="0" smtClean="0"/>
-              <a:t>Functions that take a control reference</a:t>
-            </a:r>
-          </a:p>
-          <a:p>
-            <a:r>
-              <a:rPr lang="en-US" dirty="0" smtClean="0"/>
               <a:t>Return an object with keys for error flags</a:t>
             </a:r>
-            <a:endParaRPr lang="en-US" dirty="0"/>
           </a:p>
         </p:txBody>
       </p:sp>
@@ -3940,17 +3001,10 @@
   <p:transition>
     <p:fade/>
   </p:transition>
-  <p:timing>
-    <p:tnLst>
-      <p:par>
-        <p:cTn id="1" dur="indefinite" restart="never" nodeType="tmRoot"/>
-      </p:par>
-    </p:tnLst>
-  </p:timing>
 </p:sld>
 </file>
 
-<file path=ppt/slides/slide14.xml><?xml version="1.0" encoding="utf-8"?>
+<file path=ppt/slides/slide13.xml><?xml version="1.0" encoding="utf-8"?>
 <p:sld xmlns:a="http://schemas.openxmlformats.org/drawingml/2006/main" xmlns:r="http://schemas.openxmlformats.org/officeDocument/2006/relationships" xmlns:p="http://schemas.openxmlformats.org/presentationml/2006/main">
   <p:cSld>
     <p:spTree>
@@ -3983,10 +3037,9 @@
           <a:lstStyle/>
           <a:p>
             <a:r>
-              <a:rPr lang="en-US" dirty="0" smtClean="0"/>
+              <a:rPr lang="en-US" dirty="0"/>
               <a:t>Change Subscriptions</a:t>
             </a:r>
-            <a:endParaRPr lang="en-US" dirty="0"/>
           </a:p>
         </p:txBody>
       </p:sp>
@@ -4006,18 +3059,17 @@
           <a:lstStyle/>
           <a:p>
             <a:r>
-              <a:rPr lang="en-US" dirty="0" smtClean="0"/>
+              <a:rPr lang="en-US" dirty="0"/>
               <a:t>Controls and forms have a </a:t>
             </a:r>
             <a:r>
-              <a:rPr lang="en-US" dirty="0" err="1" smtClean="0"/>
-              <a:t>valueChanged</a:t>
-            </a:r>
-            <a:r>
-              <a:rPr lang="en-US" dirty="0" smtClean="0"/>
+              <a:rPr lang="en-US" dirty="0" err="1"/>
+              <a:t>valueChanges</a:t>
+            </a:r>
+            <a:r>
+              <a:rPr lang="en-US" dirty="0"/>
               <a:t> observer</a:t>
             </a:r>
-            <a:endParaRPr lang="en-US" dirty="0"/>
           </a:p>
         </p:txBody>
       </p:sp>
@@ -4058,17 +3110,10 @@
   <p:transition>
     <p:fade/>
   </p:transition>
-  <p:timing>
-    <p:tnLst>
-      <p:par>
-        <p:cTn id="1" dur="indefinite" restart="never" nodeType="tmRoot"/>
-      </p:par>
-    </p:tnLst>
-  </p:timing>
 </p:sld>
 </file>
 
-<file path=ppt/slides/slide15.xml><?xml version="1.0" encoding="utf-8"?>
+<file path=ppt/slides/slide14.xml><?xml version="1.0" encoding="utf-8"?>
 <p:sld xmlns:a="http://schemas.openxmlformats.org/drawingml/2006/main" xmlns:r="http://schemas.openxmlformats.org/officeDocument/2006/relationships" xmlns:p="http://schemas.openxmlformats.org/presentationml/2006/main">
   <p:cSld>
     <p:spTree>
@@ -4101,10 +3146,9 @@
           <a:lstStyle/>
           <a:p>
             <a:r>
-              <a:rPr lang="en-US" dirty="0" err="1" smtClean="0"/>
-              <a:t>ngModel</a:t>
-            </a:r>
-            <a:endParaRPr lang="en-US" dirty="0"/>
+              <a:rPr lang="en-US" dirty="0"/>
+              <a:t>Summary</a:t>
+            </a:r>
           </a:p>
         </p:txBody>
       </p:sp>
@@ -4124,250 +3168,33 @@
           <a:lstStyle/>
           <a:p>
             <a:r>
-              <a:rPr lang="en-US" dirty="0" smtClean="0"/>
-              <a:t>Two way data binding</a:t>
-            </a:r>
-          </a:p>
-          <a:p>
-            <a:r>
-              <a:rPr lang="en-US" dirty="0" smtClean="0"/>
-              <a:t>Keep a model in sync with the view</a:t>
-            </a:r>
-            <a:endParaRPr lang="en-US" dirty="0"/>
+              <a:rPr lang="en-US" dirty="0"/>
+              <a:t>Forms with Angular 2 provide many features</a:t>
+            </a:r>
+          </a:p>
+          <a:p>
+            <a:pPr lvl="1"/>
+            <a:r>
+              <a:rPr lang="en-US" dirty="0"/>
+              <a:t>Flexibility</a:t>
+            </a:r>
+          </a:p>
+          <a:p>
+            <a:pPr lvl="1"/>
+            <a:r>
+              <a:rPr lang="en-US" dirty="0"/>
+              <a:t>Testability</a:t>
+            </a:r>
+          </a:p>
+          <a:p>
+            <a:pPr lvl="1"/>
+            <a:r>
+              <a:rPr lang="en-US" dirty="0"/>
+              <a:t>Control interaction</a:t>
+            </a:r>
           </a:p>
         </p:txBody>
       </p:sp>
-      <p:pic>
-        <p:nvPicPr>
-          <p:cNvPr id="4" name="Picture 3"/>
-          <p:cNvPicPr>
-            <a:picLocks noChangeAspect="1"/>
-          </p:cNvPicPr>
-          <p:nvPr/>
-        </p:nvPicPr>
-        <p:blipFill>
-          <a:blip r:embed="rId2"/>
-          <a:stretch>
-            <a:fillRect/>
-          </a:stretch>
-        </p:blipFill>
-        <p:spPr>
-          <a:xfrm>
-            <a:off x="1066800" y="3328987"/>
-            <a:ext cx="6153150" cy="733425"/>
-          </a:xfrm>
-          <a:prstGeom prst="rect">
-            <a:avLst/>
-          </a:prstGeom>
-        </p:spPr>
-      </p:pic>
-    </p:spTree>
-    <p:extLst>
-      <p:ext uri="{BB962C8B-B14F-4D97-AF65-F5344CB8AC3E}">
-        <p14:creationId xmlns:p14="http://schemas.microsoft.com/office/powerpoint/2010/main" val="88844965"/>
-      </p:ext>
-    </p:extLst>
-  </p:cSld>
-  <p:clrMapOvr>
-    <a:masterClrMapping/>
-  </p:clrMapOvr>
-  <p:transition>
-    <p:fade/>
-  </p:transition>
-  <p:timing>
-    <p:tnLst>
-      <p:par>
-        <p:cTn id="1" dur="indefinite" restart="never" nodeType="tmRoot">
-          <p:childTnLst>
-            <p:seq concurrent="1" nextAc="seek">
-              <p:cTn id="2" dur="indefinite" nodeType="mainSeq">
-                <p:childTnLst>
-                  <p:par>
-                    <p:cTn id="3" fill="hold">
-                      <p:stCondLst>
-                        <p:cond delay="indefinite"/>
-                      </p:stCondLst>
-                      <p:childTnLst>
-                        <p:par>
-                          <p:cTn id="4" fill="hold">
-                            <p:stCondLst>
-                              <p:cond delay="0"/>
-                            </p:stCondLst>
-                            <p:childTnLst>
-                              <p:par>
-                                <p:cTn id="5" presetID="10" presetClass="entr" presetSubtype="0" fill="hold" nodeType="clickEffect">
-                                  <p:stCondLst>
-                                    <p:cond delay="0"/>
-                                  </p:stCondLst>
-                                  <p:childTnLst>
-                                    <p:set>
-                                      <p:cBhvr>
-                                        <p:cTn id="6" dur="1" fill="hold">
-                                          <p:stCondLst>
-                                            <p:cond delay="0"/>
-                                          </p:stCondLst>
-                                        </p:cTn>
-                                        <p:tgtEl>
-                                          <p:spTgt spid="4"/>
-                                        </p:tgtEl>
-                                        <p:attrNameLst>
-                                          <p:attrName>style.visibility</p:attrName>
-                                        </p:attrNameLst>
-                                      </p:cBhvr>
-                                      <p:to>
-                                        <p:strVal val="visible"/>
-                                      </p:to>
-                                    </p:set>
-                                    <p:animEffect transition="in" filter="fade">
-                                      <p:cBhvr>
-                                        <p:cTn id="7" dur="500"/>
-                                        <p:tgtEl>
-                                          <p:spTgt spid="4"/>
-                                        </p:tgtEl>
-                                      </p:cBhvr>
-                                    </p:animEffect>
-                                  </p:childTnLst>
-                                </p:cTn>
-                              </p:par>
-                            </p:childTnLst>
-                          </p:cTn>
-                        </p:par>
-                      </p:childTnLst>
-                    </p:cTn>
-                  </p:par>
-                </p:childTnLst>
-              </p:cTn>
-              <p:prevCondLst>
-                <p:cond evt="onPrev" delay="0">
-                  <p:tgtEl>
-                    <p:sldTgt/>
-                  </p:tgtEl>
-                </p:cond>
-              </p:prevCondLst>
-              <p:nextCondLst>
-                <p:cond evt="onNext" delay="0">
-                  <p:tgtEl>
-                    <p:sldTgt/>
-                  </p:tgtEl>
-                </p:cond>
-              </p:nextCondLst>
-            </p:seq>
-          </p:childTnLst>
-        </p:cTn>
-      </p:par>
-    </p:tnLst>
-  </p:timing>
-</p:sld>
-</file>
-
-<file path=ppt/slides/slide16.xml><?xml version="1.0" encoding="utf-8"?>
-<p:sld xmlns:a="http://schemas.openxmlformats.org/drawingml/2006/main" xmlns:r="http://schemas.openxmlformats.org/officeDocument/2006/relationships" xmlns:p="http://schemas.openxmlformats.org/presentationml/2006/main">
-  <p:cSld>
-    <p:spTree>
-      <p:nvGrpSpPr>
-        <p:cNvPr id="1" name=""/>
-        <p:cNvGrpSpPr/>
-        <p:nvPr/>
-      </p:nvGrpSpPr>
-      <p:grpSpPr>
-        <a:xfrm>
-          <a:off x="0" y="0"/>
-          <a:ext cx="0" cy="0"/>
-          <a:chOff x="0" y="0"/>
-          <a:chExt cx="0" cy="0"/>
-        </a:xfrm>
-      </p:grpSpPr>
-      <p:sp>
-        <p:nvSpPr>
-          <p:cNvPr id="2" name="Title 1"/>
-          <p:cNvSpPr>
-            <a:spLocks noGrp="1"/>
-          </p:cNvSpPr>
-          <p:nvPr>
-            <p:ph type="title"/>
-          </p:nvPr>
-        </p:nvSpPr>
-        <p:spPr/>
-        <p:txBody>
-          <a:bodyPr/>
-          <a:lstStyle/>
-          <a:p>
-            <a:r>
-              <a:rPr lang="en-US" dirty="0" smtClean="0"/>
-              <a:t>Summary</a:t>
-            </a:r>
-            <a:endParaRPr lang="en-US" dirty="0"/>
-          </a:p>
-        </p:txBody>
-      </p:sp>
-      <p:sp>
-        <p:nvSpPr>
-          <p:cNvPr id="3" name="Text Placeholder 2"/>
-          <p:cNvSpPr>
-            <a:spLocks noGrp="1"/>
-          </p:cNvSpPr>
-          <p:nvPr>
-            <p:ph type="body" idx="1"/>
-          </p:nvPr>
-        </p:nvSpPr>
-        <p:spPr/>
-        <p:txBody>
-          <a:bodyPr/>
-          <a:lstStyle/>
-          <a:p>
-            <a:r>
-              <a:rPr lang="en-US" dirty="0" smtClean="0"/>
-              <a:t>Forms with Angular 2 provide many features</a:t>
-            </a:r>
-          </a:p>
-          <a:p>
-            <a:pPr lvl="1"/>
-            <a:r>
-              <a:rPr lang="en-US" dirty="0" smtClean="0"/>
-              <a:t>Flexibility</a:t>
-            </a:r>
-          </a:p>
-          <a:p>
-            <a:pPr lvl="1"/>
-            <a:r>
-              <a:rPr lang="en-US" dirty="0" smtClean="0"/>
-              <a:t>Testability</a:t>
-            </a:r>
-          </a:p>
-          <a:p>
-            <a:pPr lvl="1"/>
-            <a:r>
-              <a:rPr lang="en-US" dirty="0" smtClean="0"/>
-              <a:t>Control interaction</a:t>
-            </a:r>
-            <a:endParaRPr lang="en-US" dirty="0"/>
-          </a:p>
-        </p:txBody>
-      </p:sp>
-      <p:pic>
-        <p:nvPicPr>
-          <p:cNvPr id="4" name="Picture 3"/>
-          <p:cNvPicPr>
-            <a:picLocks noChangeAspect="1"/>
-          </p:cNvPicPr>
-          <p:nvPr/>
-        </p:nvPicPr>
-        <p:blipFill>
-          <a:blip r:embed="rId2"/>
-          <a:stretch>
-            <a:fillRect/>
-          </a:stretch>
-        </p:blipFill>
-        <p:spPr>
-          <a:xfrm>
-            <a:off x="1524000" y="3505200"/>
-            <a:ext cx="5867400" cy="2628900"/>
-          </a:xfrm>
-          <a:prstGeom prst="rect">
-            <a:avLst/>
-          </a:prstGeom>
-        </p:spPr>
-      </p:pic>
     </p:spTree>
     <p:extLst>
       <p:ext uri="{BB962C8B-B14F-4D97-AF65-F5344CB8AC3E}">
@@ -4381,13 +3208,6 @@
   <p:transition>
     <p:fade/>
   </p:transition>
-  <p:timing>
-    <p:tnLst>
-      <p:par>
-        <p:cTn id="1" dur="indefinite" restart="never" nodeType="tmRoot"/>
-      </p:par>
-    </p:tnLst>
-  </p:timing>
 </p:sld>
 </file>
 
@@ -4424,10 +3244,9 @@
           <a:lstStyle/>
           <a:p>
             <a:r>
-              <a:rPr lang="en-US" dirty="0" smtClean="0"/>
+              <a:rPr lang="en-US" dirty="0"/>
               <a:t>Goals</a:t>
             </a:r>
-            <a:endParaRPr lang="en-US" dirty="0"/>
           </a:p>
         </p:txBody>
       </p:sp>
@@ -4447,19 +3266,19 @@
           <a:lstStyle/>
           <a:p>
             <a:r>
-              <a:rPr lang="en-US" dirty="0" smtClean="0"/>
+              <a:rPr lang="en-US" dirty="0"/>
               <a:t>Accept user input</a:t>
             </a:r>
           </a:p>
           <a:p>
             <a:r>
-              <a:rPr lang="en-US" dirty="0" smtClean="0"/>
+              <a:rPr lang="en-US" dirty="0"/>
               <a:t>Enforce validations</a:t>
             </a:r>
           </a:p>
           <a:p>
             <a:r>
-              <a:rPr lang="en-US" dirty="0" smtClean="0"/>
+              <a:rPr lang="en-US" dirty="0"/>
               <a:t>Provide visual feedback on form status</a:t>
             </a:r>
           </a:p>
@@ -4519,13 +3338,6 @@
   <p:transition>
     <p:fade/>
   </p:transition>
-  <p:timing>
-    <p:tnLst>
-      <p:par>
-        <p:cTn id="1" dur="indefinite" restart="never" nodeType="tmRoot"/>
-      </p:par>
-    </p:tnLst>
-  </p:timing>
 </p:sld>
 </file>
 
@@ -4562,10 +3374,9 @@
           <a:lstStyle/>
           <a:p>
             <a:r>
-              <a:rPr lang="en-US" dirty="0" smtClean="0"/>
-              <a:t>Two-Way Or Not Two-Way</a:t>
-            </a:r>
-            <a:endParaRPr lang="en-US" dirty="0"/>
+              <a:rPr lang="en-US" dirty="0"/>
+              <a:t>Bootstrapping</a:t>
+            </a:r>
           </a:p>
         </p:txBody>
       </p:sp>
@@ -4585,209 +3396,54 @@
           <a:lstStyle/>
           <a:p>
             <a:r>
-              <a:rPr lang="en-US" dirty="0" smtClean="0"/>
-              <a:t>Do you </a:t>
-            </a:r>
-            <a:r>
-              <a:rPr lang="en-US" u="sng" dirty="0" smtClean="0"/>
-              <a:t>like</a:t>
-            </a:r>
-            <a:r>
-              <a:rPr lang="en-US" dirty="0" smtClean="0"/>
-              <a:t> two-way data binding?</a:t>
+              <a:rPr lang="en-US" dirty="0"/>
+              <a:t>Current scenario:</a:t>
             </a:r>
           </a:p>
           <a:p>
             <a:pPr lvl="1"/>
             <a:r>
-              <a:rPr lang="en-US" dirty="0" smtClean="0"/>
-              <a:t>Use [(</a:t>
-            </a:r>
-            <a:r>
-              <a:rPr lang="en-US" dirty="0" err="1" smtClean="0"/>
-              <a:t>ngModel</a:t>
-            </a:r>
-            <a:r>
-              <a:rPr lang="en-US" dirty="0" smtClean="0"/>
-              <a:t>)]</a:t>
-            </a:r>
-          </a:p>
-          <a:p>
-            <a:r>
-              <a:rPr lang="en-US" dirty="0" smtClean="0"/>
-              <a:t>Do you </a:t>
-            </a:r>
-            <a:r>
-              <a:rPr lang="en-US" u="sng" dirty="0" smtClean="0"/>
-              <a:t>not like</a:t>
-            </a:r>
-            <a:r>
-              <a:rPr lang="en-US" dirty="0" smtClean="0"/>
-              <a:t> two-way data binding?</a:t>
+              <a:rPr lang="en-US" dirty="0"/>
+              <a:t>Explicitly disable deprecated forms API</a:t>
             </a:r>
           </a:p>
           <a:p>
             <a:pPr lvl="1"/>
             <a:r>
-              <a:rPr lang="en-US" dirty="0" smtClean="0"/>
-              <a:t>Use </a:t>
-            </a:r>
-            <a:r>
-              <a:rPr lang="en-US" dirty="0" err="1" smtClean="0"/>
-              <a:t>FormBuilder</a:t>
-            </a:r>
-            <a:endParaRPr lang="en-US" dirty="0"/>
+              <a:rPr lang="en-US" dirty="0"/>
+              <a:t>Enable new forms API</a:t>
+            </a:r>
           </a:p>
         </p:txBody>
       </p:sp>
-      <p:sp>
-        <p:nvSpPr>
-          <p:cNvPr id="4" name="Rectangle 3"/>
-          <p:cNvSpPr/>
+      <p:pic>
+        <p:nvPicPr>
+          <p:cNvPr id="4" name="Picture 3"/>
+          <p:cNvPicPr>
+            <a:picLocks noChangeAspect="1"/>
+          </p:cNvPicPr>
           <p:nvPr/>
-        </p:nvSpPr>
-        <p:spPr bwMode="auto">
+        </p:nvPicPr>
+        <p:blipFill>
+          <a:blip r:embed="rId2"/>
+          <a:stretch>
+            <a:fillRect/>
+          </a:stretch>
+        </p:blipFill>
+        <p:spPr>
           <a:xfrm>
-            <a:off x="1752600" y="3886200"/>
-            <a:ext cx="1905000" cy="1447800"/>
+            <a:off x="929446" y="2743200"/>
+            <a:ext cx="7285107" cy="3460141"/>
           </a:xfrm>
           <a:prstGeom prst="rect">
             <a:avLst/>
           </a:prstGeom>
-          <a:ln>
-            <a:headEnd/>
-            <a:tailEnd/>
-          </a:ln>
         </p:spPr>
-        <p:style>
-          <a:lnRef idx="2">
-            <a:schemeClr val="accent1">
-              <a:shade val="50000"/>
-            </a:schemeClr>
-          </a:lnRef>
-          <a:fillRef idx="1">
-            <a:schemeClr val="accent1"/>
-          </a:fillRef>
-          <a:effectRef idx="0">
-            <a:schemeClr val="accent1"/>
-          </a:effectRef>
-          <a:fontRef idx="minor">
-            <a:schemeClr val="lt1"/>
-          </a:fontRef>
-        </p:style>
-        <p:txBody>
-          <a:bodyPr wrap="none" rtlCol="0" anchor="ctr"/>
-          <a:lstStyle/>
-          <a:p>
-            <a:pPr algn="ctr"/>
-            <a:r>
-              <a:rPr lang="en-US" sz="2000" dirty="0" smtClean="0">
-                <a:latin typeface="Tekton Pro" pitchFamily="34" charset="0"/>
-              </a:rPr>
-              <a:t>&lt;input&gt;</a:t>
-            </a:r>
-            <a:endParaRPr lang="en-US" sz="2000" dirty="0">
-              <a:latin typeface="Tekton Pro" pitchFamily="34" charset="0"/>
-            </a:endParaRPr>
-          </a:p>
-        </p:txBody>
-      </p:sp>
-      <p:sp>
-        <p:nvSpPr>
-          <p:cNvPr id="6" name="Rectangle 5"/>
-          <p:cNvSpPr/>
-          <p:nvPr/>
-        </p:nvSpPr>
-        <p:spPr bwMode="auto">
-          <a:xfrm>
-            <a:off x="4419600" y="3886200"/>
-            <a:ext cx="1905000" cy="1447800"/>
-          </a:xfrm>
-          <a:prstGeom prst="rect">
-            <a:avLst/>
-          </a:prstGeom>
-          <a:ln>
-            <a:headEnd/>
-            <a:tailEnd/>
-          </a:ln>
-        </p:spPr>
-        <p:style>
-          <a:lnRef idx="2">
-            <a:schemeClr val="accent1">
-              <a:shade val="50000"/>
-            </a:schemeClr>
-          </a:lnRef>
-          <a:fillRef idx="1">
-            <a:schemeClr val="accent1"/>
-          </a:fillRef>
-          <a:effectRef idx="0">
-            <a:schemeClr val="accent1"/>
-          </a:effectRef>
-          <a:fontRef idx="minor">
-            <a:schemeClr val="lt1"/>
-          </a:fontRef>
-        </p:style>
-        <p:txBody>
-          <a:bodyPr wrap="none" rtlCol="0" anchor="ctr"/>
-          <a:lstStyle/>
-          <a:p>
-            <a:pPr algn="ctr"/>
-            <a:r>
-              <a:rPr lang="en-US" sz="2000" dirty="0" err="1" smtClean="0">
-                <a:latin typeface="Tekton Pro" pitchFamily="34" charset="0"/>
-              </a:rPr>
-              <a:t>movie.title</a:t>
-            </a:r>
-            <a:endParaRPr lang="en-US" sz="2000" dirty="0">
-              <a:latin typeface="Tekton Pro" pitchFamily="34" charset="0"/>
-            </a:endParaRPr>
-          </a:p>
-        </p:txBody>
-      </p:sp>
-      <p:cxnSp>
-        <p:nvCxnSpPr>
-          <p:cNvPr id="7" name="Straight Arrow Connector 6"/>
-          <p:cNvCxnSpPr>
-            <a:stCxn id="4" idx="3"/>
-            <a:endCxn id="6" idx="1"/>
-          </p:cNvCxnSpPr>
-          <p:nvPr/>
-        </p:nvCxnSpPr>
-        <p:spPr bwMode="auto">
-          <a:xfrm>
-            <a:off x="3657600" y="4610100"/>
-            <a:ext cx="762000" cy="0"/>
-          </a:xfrm>
-          <a:prstGeom prst="straightConnector1">
-            <a:avLst/>
-          </a:prstGeom>
-          <a:gradFill rotWithShape="1">
-            <a:gsLst>
-              <a:gs pos="0">
-                <a:srgbClr val="A4D289"/>
-              </a:gs>
-              <a:gs pos="100000">
-                <a:schemeClr val="bg1"/>
-              </a:gs>
-            </a:gsLst>
-            <a:lin ang="5400000" scaled="1"/>
-          </a:gradFill>
-          <a:ln w="9525" cap="flat" cmpd="sng" algn="ctr">
-            <a:solidFill>
-              <a:schemeClr val="tx1"/>
-            </a:solidFill>
-            <a:prstDash val="solid"/>
-            <a:round/>
-            <a:headEnd type="none" w="med" len="med"/>
-            <a:tailEnd type="triangle"/>
-          </a:ln>
-          <a:effectLst/>
-        </p:spPr>
-      </p:cxnSp>
+      </p:pic>
     </p:spTree>
     <p:extLst>
       <p:ext uri="{BB962C8B-B14F-4D97-AF65-F5344CB8AC3E}">
-        <p14:creationId xmlns:p14="http://schemas.microsoft.com/office/powerpoint/2010/main" val="1080183959"/>
+        <p14:creationId xmlns:p14="http://schemas.microsoft.com/office/powerpoint/2010/main" val="3631087874"/>
       </p:ext>
     </p:extLst>
   </p:cSld>
@@ -4797,13 +3453,6 @@
   <p:transition>
     <p:fade/>
   </p:transition>
-  <p:timing>
-    <p:tnLst>
-      <p:par>
-        <p:cTn id="1" dur="indefinite" restart="never" nodeType="tmRoot"/>
-      </p:par>
-    </p:tnLst>
-  </p:timing>
 </p:sld>
 </file>
 
@@ -4840,14 +3489,9 @@
           <a:lstStyle/>
           <a:p>
             <a:r>
-              <a:rPr lang="en-US" dirty="0" err="1"/>
-              <a:t>N</a:t>
-            </a:r>
-            <a:r>
-              <a:rPr lang="en-US" dirty="0" err="1" smtClean="0"/>
-              <a:t>gForm</a:t>
-            </a:r>
-            <a:endParaRPr lang="en-US" dirty="0"/>
+              <a:rPr lang="en-US" dirty="0"/>
+              <a:t>Choices</a:t>
+            </a:r>
           </a:p>
         </p:txBody>
       </p:sp>
@@ -4866,28 +3510,176 @@
           <a:bodyPr/>
           <a:lstStyle/>
           <a:p>
-            <a:r>
-              <a:rPr lang="en-US" dirty="0" err="1" smtClean="0"/>
-              <a:t>NgForm</a:t>
-            </a:r>
-            <a:r>
-              <a:rPr lang="en-US" dirty="0" smtClean="0"/>
-              <a:t> automatically associates with any form element</a:t>
-            </a:r>
-          </a:p>
-          <a:p>
-            <a:pPr lvl="1"/>
-            <a:r>
-              <a:rPr lang="en-US" dirty="0" smtClean="0"/>
-              <a:t>Provides an API to check status, fetch values</a:t>
-            </a:r>
-          </a:p>
-          <a:p>
-            <a:r>
-              <a:rPr lang="en-US" dirty="0" smtClean="0"/>
-              <a:t>Include FORM_DIRECTIVES on the component</a:t>
-            </a:r>
             <a:endParaRPr lang="en-US" dirty="0"/>
+          </a:p>
+        </p:txBody>
+      </p:sp>
+      <p:sp>
+        <p:nvSpPr>
+          <p:cNvPr id="4" name="Rectangle 3"/>
+          <p:cNvSpPr/>
+          <p:nvPr/>
+        </p:nvSpPr>
+        <p:spPr>
+          <a:xfrm>
+            <a:off x="990600" y="2209800"/>
+            <a:ext cx="3429000" cy="2667000"/>
+          </a:xfrm>
+          <a:prstGeom prst="rect">
+            <a:avLst/>
+          </a:prstGeom>
+        </p:spPr>
+        <p:style>
+          <a:lnRef idx="2">
+            <a:schemeClr val="dk1">
+              <a:shade val="50000"/>
+            </a:schemeClr>
+          </a:lnRef>
+          <a:fillRef idx="1">
+            <a:schemeClr val="dk1"/>
+          </a:fillRef>
+          <a:effectRef idx="0">
+            <a:schemeClr val="dk1"/>
+          </a:effectRef>
+          <a:fontRef idx="minor">
+            <a:schemeClr val="lt1"/>
+          </a:fontRef>
+        </p:style>
+        <p:txBody>
+          <a:bodyPr rtlCol="0" anchor="ctr"/>
+          <a:lstStyle/>
+          <a:p>
+            <a:pPr algn="ctr"/>
+            <a:r>
+              <a:rPr lang="en-US" dirty="0"/>
+              <a:t>Template Driven Forms</a:t>
+            </a:r>
+          </a:p>
+        </p:txBody>
+      </p:sp>
+      <p:sp>
+        <p:nvSpPr>
+          <p:cNvPr id="5" name="Rectangle 4"/>
+          <p:cNvSpPr/>
+          <p:nvPr/>
+        </p:nvSpPr>
+        <p:spPr>
+          <a:xfrm>
+            <a:off x="4838700" y="2209800"/>
+            <a:ext cx="3429000" cy="2667000"/>
+          </a:xfrm>
+          <a:prstGeom prst="rect">
+            <a:avLst/>
+          </a:prstGeom>
+        </p:spPr>
+        <p:style>
+          <a:lnRef idx="2">
+            <a:schemeClr val="dk1">
+              <a:shade val="50000"/>
+            </a:schemeClr>
+          </a:lnRef>
+          <a:fillRef idx="1">
+            <a:schemeClr val="dk1"/>
+          </a:fillRef>
+          <a:effectRef idx="0">
+            <a:schemeClr val="dk1"/>
+          </a:effectRef>
+          <a:fontRef idx="minor">
+            <a:schemeClr val="lt1"/>
+          </a:fontRef>
+        </p:style>
+        <p:txBody>
+          <a:bodyPr rtlCol="0" anchor="ctr"/>
+          <a:lstStyle/>
+          <a:p>
+            <a:pPr algn="ctr"/>
+            <a:r>
+              <a:rPr lang="en-US" dirty="0"/>
+              <a:t>Model Driven Forms</a:t>
+            </a:r>
+          </a:p>
+        </p:txBody>
+      </p:sp>
+    </p:spTree>
+    <p:extLst>
+      <p:ext uri="{BB962C8B-B14F-4D97-AF65-F5344CB8AC3E}">
+        <p14:creationId xmlns:p14="http://schemas.microsoft.com/office/powerpoint/2010/main" val="2948596793"/>
+      </p:ext>
+    </p:extLst>
+  </p:cSld>
+  <p:clrMapOvr>
+    <a:masterClrMapping/>
+  </p:clrMapOvr>
+  <p:transition>
+    <p:fade/>
+  </p:transition>
+</p:sld>
+</file>
+
+<file path=ppt/slides/slide5.xml><?xml version="1.0" encoding="utf-8"?>
+<p:sld xmlns:a="http://schemas.openxmlformats.org/drawingml/2006/main" xmlns:r="http://schemas.openxmlformats.org/officeDocument/2006/relationships" xmlns:p="http://schemas.openxmlformats.org/presentationml/2006/main">
+  <p:cSld>
+    <p:spTree>
+      <p:nvGrpSpPr>
+        <p:cNvPr id="1" name=""/>
+        <p:cNvGrpSpPr/>
+        <p:nvPr/>
+      </p:nvGrpSpPr>
+      <p:grpSpPr>
+        <a:xfrm>
+          <a:off x="0" y="0"/>
+          <a:ext cx="0" cy="0"/>
+          <a:chOff x="0" y="0"/>
+          <a:chExt cx="0" cy="0"/>
+        </a:xfrm>
+      </p:grpSpPr>
+      <p:sp>
+        <p:nvSpPr>
+          <p:cNvPr id="2" name="Title 1"/>
+          <p:cNvSpPr>
+            <a:spLocks noGrp="1"/>
+          </p:cNvSpPr>
+          <p:nvPr>
+            <p:ph type="title"/>
+          </p:nvPr>
+        </p:nvSpPr>
+        <p:spPr/>
+        <p:txBody>
+          <a:bodyPr/>
+          <a:lstStyle/>
+          <a:p>
+            <a:r>
+              <a:rPr lang="en-US" dirty="0"/>
+              <a:t>Template Driven Forms</a:t>
+            </a:r>
+          </a:p>
+        </p:txBody>
+      </p:sp>
+      <p:sp>
+        <p:nvSpPr>
+          <p:cNvPr id="3" name="Text Placeholder 2"/>
+          <p:cNvSpPr>
+            <a:spLocks noGrp="1"/>
+          </p:cNvSpPr>
+          <p:nvPr>
+            <p:ph type="body" idx="1"/>
+          </p:nvPr>
+        </p:nvSpPr>
+        <p:spPr/>
+        <p:txBody>
+          <a:bodyPr/>
+          <a:lstStyle/>
+          <a:p>
+            <a:r>
+              <a:rPr lang="en-US" dirty="0"/>
+              <a:t>Features 2-way data binding</a:t>
+            </a:r>
+          </a:p>
+          <a:p>
+            <a:r>
+              <a:rPr lang="en-US" dirty="0"/>
+              <a:t>Template controls validation and model mapping</a:t>
+            </a:r>
           </a:p>
         </p:txBody>
       </p:sp>
@@ -4907,7 +3699,135 @@
         </p:blipFill>
         <p:spPr>
           <a:xfrm>
-            <a:off x="533400" y="3048000"/>
+            <a:off x="414337" y="2819400"/>
+            <a:ext cx="8315325" cy="769938"/>
+          </a:xfrm>
+          <a:prstGeom prst="rect">
+            <a:avLst/>
+          </a:prstGeom>
+        </p:spPr>
+      </p:pic>
+    </p:spTree>
+    <p:extLst>
+      <p:ext uri="{BB962C8B-B14F-4D97-AF65-F5344CB8AC3E}">
+        <p14:creationId xmlns:p14="http://schemas.microsoft.com/office/powerpoint/2010/main" val="2654474703"/>
+      </p:ext>
+    </p:extLst>
+  </p:cSld>
+  <p:clrMapOvr>
+    <a:masterClrMapping/>
+  </p:clrMapOvr>
+  <p:transition>
+    <p:fade/>
+  </p:transition>
+</p:sld>
+</file>
+
+<file path=ppt/slides/slide6.xml><?xml version="1.0" encoding="utf-8"?>
+<p:sld xmlns:a="http://schemas.openxmlformats.org/drawingml/2006/main" xmlns:r="http://schemas.openxmlformats.org/officeDocument/2006/relationships" xmlns:p="http://schemas.openxmlformats.org/presentationml/2006/main">
+  <p:cSld>
+    <p:spTree>
+      <p:nvGrpSpPr>
+        <p:cNvPr id="1" name=""/>
+        <p:cNvGrpSpPr/>
+        <p:nvPr/>
+      </p:nvGrpSpPr>
+      <p:grpSpPr>
+        <a:xfrm>
+          <a:off x="0" y="0"/>
+          <a:ext cx="0" cy="0"/>
+          <a:chOff x="0" y="0"/>
+          <a:chExt cx="0" cy="0"/>
+        </a:xfrm>
+      </p:grpSpPr>
+      <p:sp>
+        <p:nvSpPr>
+          <p:cNvPr id="2" name="Title 1"/>
+          <p:cNvSpPr>
+            <a:spLocks noGrp="1"/>
+          </p:cNvSpPr>
+          <p:nvPr>
+            <p:ph type="title"/>
+          </p:nvPr>
+        </p:nvSpPr>
+        <p:spPr/>
+        <p:txBody>
+          <a:bodyPr/>
+          <a:lstStyle/>
+          <a:p>
+            <a:r>
+              <a:rPr lang="en-US" dirty="0" err="1"/>
+              <a:t>NgForm</a:t>
+            </a:r>
+            <a:endParaRPr lang="en-US" dirty="0"/>
+          </a:p>
+        </p:txBody>
+      </p:sp>
+      <p:sp>
+        <p:nvSpPr>
+          <p:cNvPr id="3" name="Text Placeholder 2"/>
+          <p:cNvSpPr>
+            <a:spLocks noGrp="1"/>
+          </p:cNvSpPr>
+          <p:nvPr>
+            <p:ph type="body" idx="1"/>
+          </p:nvPr>
+        </p:nvSpPr>
+        <p:spPr/>
+        <p:txBody>
+          <a:bodyPr/>
+          <a:lstStyle/>
+          <a:p>
+            <a:r>
+              <a:rPr lang="en-US" dirty="0" err="1"/>
+              <a:t>NgForm</a:t>
+            </a:r>
+            <a:r>
+              <a:rPr lang="en-US" dirty="0"/>
+              <a:t> automatically associates with any form element</a:t>
+            </a:r>
+          </a:p>
+          <a:p>
+            <a:pPr lvl="1"/>
+            <a:r>
+              <a:rPr lang="en-US" dirty="0"/>
+              <a:t>Provides an API to check status, fetch values</a:t>
+            </a:r>
+          </a:p>
+          <a:p>
+            <a:r>
+              <a:rPr lang="en-US" dirty="0" err="1"/>
+              <a:t>NgModel</a:t>
+            </a:r>
+            <a:r>
+              <a:rPr lang="en-US" dirty="0"/>
+              <a:t> communicates with </a:t>
+            </a:r>
+            <a:r>
+              <a:rPr lang="en-US" dirty="0" err="1"/>
+              <a:t>NgForm</a:t>
+            </a:r>
+            <a:endParaRPr lang="en-US" dirty="0"/>
+          </a:p>
+        </p:txBody>
+      </p:sp>
+      <p:pic>
+        <p:nvPicPr>
+          <p:cNvPr id="4" name="Picture 3"/>
+          <p:cNvPicPr>
+            <a:picLocks noChangeAspect="1"/>
+          </p:cNvPicPr>
+          <p:nvPr/>
+        </p:nvPicPr>
+        <p:blipFill>
+          <a:blip r:embed="rId2"/>
+          <a:stretch>
+            <a:fillRect/>
+          </a:stretch>
+        </p:blipFill>
+        <p:spPr>
+          <a:xfrm>
+            <a:off x="3581400" y="3886200"/>
             <a:ext cx="2619375" cy="1952625"/>
           </a:xfrm>
           <a:prstGeom prst="rect">
@@ -4917,7 +3837,7 @@
       </p:pic>
       <p:pic>
         <p:nvPicPr>
-          <p:cNvPr id="5" name="Picture 4"/>
+          <p:cNvPr id="6" name="Picture 5"/>
           <p:cNvPicPr>
             <a:picLocks noChangeAspect="1"/>
           </p:cNvPicPr>
@@ -4931,8 +3851,8 @@
         </p:blipFill>
         <p:spPr>
           <a:xfrm>
-            <a:off x="3733800" y="3581400"/>
-            <a:ext cx="4752975" cy="571500"/>
+            <a:off x="609600" y="3109913"/>
+            <a:ext cx="6662593" cy="390525"/>
           </a:xfrm>
           <a:prstGeom prst="rect">
             <a:avLst/>
@@ -5038,309 +3958,6 @@
 </p:sld>
 </file>
 
-<file path=ppt/slides/slide5.xml><?xml version="1.0" encoding="utf-8"?>
-<p:sld xmlns:a="http://schemas.openxmlformats.org/drawingml/2006/main" xmlns:r="http://schemas.openxmlformats.org/officeDocument/2006/relationships" xmlns:p="http://schemas.openxmlformats.org/presentationml/2006/main">
-  <p:cSld>
-    <p:spTree>
-      <p:nvGrpSpPr>
-        <p:cNvPr id="1" name=""/>
-        <p:cNvGrpSpPr/>
-        <p:nvPr/>
-      </p:nvGrpSpPr>
-      <p:grpSpPr>
-        <a:xfrm>
-          <a:off x="0" y="0"/>
-          <a:ext cx="0" cy="0"/>
-          <a:chOff x="0" y="0"/>
-          <a:chExt cx="0" cy="0"/>
-        </a:xfrm>
-      </p:grpSpPr>
-      <p:sp>
-        <p:nvSpPr>
-          <p:cNvPr id="2" name="Title 1"/>
-          <p:cNvSpPr>
-            <a:spLocks noGrp="1"/>
-          </p:cNvSpPr>
-          <p:nvPr>
-            <p:ph type="title"/>
-          </p:nvPr>
-        </p:nvSpPr>
-        <p:spPr/>
-        <p:txBody>
-          <a:bodyPr/>
-          <a:lstStyle/>
-          <a:p>
-            <a:r>
-              <a:rPr lang="en-US" dirty="0" err="1"/>
-              <a:t>N</a:t>
-            </a:r>
-            <a:r>
-              <a:rPr lang="en-US" dirty="0" err="1" smtClean="0"/>
-              <a:t>gControl</a:t>
-            </a:r>
-            <a:endParaRPr lang="en-US" dirty="0"/>
-          </a:p>
-        </p:txBody>
-      </p:sp>
-      <p:sp>
-        <p:nvSpPr>
-          <p:cNvPr id="3" name="Text Placeholder 2"/>
-          <p:cNvSpPr>
-            <a:spLocks noGrp="1"/>
-          </p:cNvSpPr>
-          <p:nvPr>
-            <p:ph type="body" idx="1"/>
-          </p:nvPr>
-        </p:nvSpPr>
-        <p:spPr/>
-        <p:txBody>
-          <a:bodyPr/>
-          <a:lstStyle/>
-          <a:p>
-            <a:r>
-              <a:rPr lang="en-US" dirty="0" smtClean="0"/>
-              <a:t>Represents a single input field</a:t>
-            </a:r>
-          </a:p>
-          <a:p>
-            <a:pPr lvl="1"/>
-            <a:r>
-              <a:rPr lang="en-US" dirty="0" smtClean="0"/>
-              <a:t>API can check state and value</a:t>
-            </a:r>
-          </a:p>
-          <a:p>
-            <a:pPr lvl="1"/>
-            <a:r>
-              <a:rPr lang="en-US" dirty="0" smtClean="0"/>
-              <a:t>Encapsulates validations</a:t>
-            </a:r>
-          </a:p>
-          <a:p>
-            <a:r>
-              <a:rPr lang="en-US" dirty="0" smtClean="0"/>
-              <a:t>Will associate itself with </a:t>
-            </a:r>
-            <a:r>
-              <a:rPr lang="en-US" dirty="0" smtClean="0"/>
-              <a:t>an </a:t>
-            </a:r>
-            <a:r>
-              <a:rPr lang="en-US" dirty="0" err="1" smtClean="0"/>
-              <a:t>ngForm</a:t>
-            </a:r>
-            <a:endParaRPr lang="en-US" dirty="0"/>
-          </a:p>
-        </p:txBody>
-      </p:sp>
-      <p:pic>
-        <p:nvPicPr>
-          <p:cNvPr id="4" name="Picture 3"/>
-          <p:cNvPicPr>
-            <a:picLocks noChangeAspect="1"/>
-          </p:cNvPicPr>
-          <p:nvPr/>
-        </p:nvPicPr>
-        <p:blipFill>
-          <a:blip r:embed="rId2"/>
-          <a:stretch>
-            <a:fillRect/>
-          </a:stretch>
-        </p:blipFill>
-        <p:spPr>
-          <a:xfrm>
-            <a:off x="1828800" y="3695700"/>
-            <a:ext cx="4429125" cy="762000"/>
-          </a:xfrm>
-          <a:prstGeom prst="rect">
-            <a:avLst/>
-          </a:prstGeom>
-        </p:spPr>
-      </p:pic>
-    </p:spTree>
-    <p:extLst>
-      <p:ext uri="{BB962C8B-B14F-4D97-AF65-F5344CB8AC3E}">
-        <p14:creationId xmlns:p14="http://schemas.microsoft.com/office/powerpoint/2010/main" val="3352173692"/>
-      </p:ext>
-    </p:extLst>
-  </p:cSld>
-  <p:clrMapOvr>
-    <a:masterClrMapping/>
-  </p:clrMapOvr>
-  <p:transition>
-    <p:fade/>
-  </p:transition>
-  <p:timing>
-    <p:tnLst>
-      <p:par>
-        <p:cTn id="1" dur="indefinite" restart="never" nodeType="tmRoot"/>
-      </p:par>
-    </p:tnLst>
-  </p:timing>
-</p:sld>
-</file>
-
-<file path=ppt/slides/slide6.xml><?xml version="1.0" encoding="utf-8"?>
-<p:sld xmlns:a="http://schemas.openxmlformats.org/drawingml/2006/main" xmlns:r="http://schemas.openxmlformats.org/officeDocument/2006/relationships" xmlns:p="http://schemas.openxmlformats.org/presentationml/2006/main">
-  <p:cSld>
-    <p:spTree>
-      <p:nvGrpSpPr>
-        <p:cNvPr id="1" name=""/>
-        <p:cNvGrpSpPr/>
-        <p:nvPr/>
-      </p:nvGrpSpPr>
-      <p:grpSpPr>
-        <a:xfrm>
-          <a:off x="0" y="0"/>
-          <a:ext cx="0" cy="0"/>
-          <a:chOff x="0" y="0"/>
-          <a:chExt cx="0" cy="0"/>
-        </a:xfrm>
-      </p:grpSpPr>
-      <p:sp>
-        <p:nvSpPr>
-          <p:cNvPr id="2" name="Title 1"/>
-          <p:cNvSpPr>
-            <a:spLocks noGrp="1"/>
-          </p:cNvSpPr>
-          <p:nvPr>
-            <p:ph type="title"/>
-          </p:nvPr>
-        </p:nvSpPr>
-        <p:spPr/>
-        <p:txBody>
-          <a:bodyPr/>
-          <a:lstStyle/>
-          <a:p>
-            <a:r>
-              <a:rPr lang="en-US" dirty="0" err="1"/>
-              <a:t>N</a:t>
-            </a:r>
-            <a:r>
-              <a:rPr lang="en-US" dirty="0" err="1" smtClean="0"/>
-              <a:t>gControlGroup</a:t>
-            </a:r>
-            <a:endParaRPr lang="en-US" dirty="0"/>
-          </a:p>
-        </p:txBody>
-      </p:sp>
-      <p:sp>
-        <p:nvSpPr>
-          <p:cNvPr id="3" name="Text Placeholder 2"/>
-          <p:cNvSpPr>
-            <a:spLocks noGrp="1"/>
-          </p:cNvSpPr>
-          <p:nvPr>
-            <p:ph type="body" idx="1"/>
-          </p:nvPr>
-        </p:nvSpPr>
-        <p:spPr/>
-        <p:txBody>
-          <a:bodyPr/>
-          <a:lstStyle/>
-          <a:p>
-            <a:r>
-              <a:rPr lang="en-US" dirty="0" smtClean="0"/>
-              <a:t>A collection of </a:t>
-            </a:r>
-            <a:r>
-              <a:rPr lang="en-US" dirty="0" err="1" smtClean="0"/>
-              <a:t>NgControl</a:t>
-            </a:r>
-            <a:r>
-              <a:rPr lang="en-US" dirty="0" smtClean="0"/>
-              <a:t> objects</a:t>
-            </a:r>
-          </a:p>
-          <a:p>
-            <a:pPr lvl="1"/>
-            <a:r>
-              <a:rPr lang="en-US" dirty="0" smtClean="0"/>
-              <a:t>Provides state and value for entire collection</a:t>
-            </a:r>
-          </a:p>
-          <a:p>
-            <a:pPr lvl="1"/>
-            <a:r>
-              <a:rPr lang="en-US" dirty="0" smtClean="0"/>
-              <a:t>Value returns an object of key-value pairs</a:t>
-            </a:r>
-          </a:p>
-          <a:p>
-            <a:r>
-              <a:rPr lang="en-US" dirty="0" err="1" smtClean="0"/>
-              <a:t>NgForm</a:t>
-            </a:r>
-            <a:r>
-              <a:rPr lang="en-US" dirty="0" smtClean="0"/>
-              <a:t> provides a control group</a:t>
-            </a:r>
-          </a:p>
-          <a:p>
-            <a:pPr lvl="1"/>
-            <a:r>
-              <a:rPr lang="en-US" dirty="0" smtClean="0"/>
-              <a:t>And an </a:t>
-            </a:r>
-            <a:r>
-              <a:rPr lang="en-US" dirty="0" err="1" smtClean="0"/>
-              <a:t>ngSubmit</a:t>
-            </a:r>
-            <a:r>
-              <a:rPr lang="en-US" dirty="0" smtClean="0"/>
-              <a:t> event</a:t>
-            </a:r>
-            <a:endParaRPr lang="en-US" dirty="0"/>
-          </a:p>
-        </p:txBody>
-      </p:sp>
-      <p:pic>
-        <p:nvPicPr>
-          <p:cNvPr id="5" name="Picture 4"/>
-          <p:cNvPicPr>
-            <a:picLocks noChangeAspect="1"/>
-          </p:cNvPicPr>
-          <p:nvPr/>
-        </p:nvPicPr>
-        <p:blipFill>
-          <a:blip r:embed="rId2"/>
-          <a:stretch>
-            <a:fillRect/>
-          </a:stretch>
-        </p:blipFill>
-        <p:spPr>
-          <a:xfrm>
-            <a:off x="1828800" y="3886200"/>
-            <a:ext cx="4810125" cy="466725"/>
-          </a:xfrm>
-          <a:prstGeom prst="rect">
-            <a:avLst/>
-          </a:prstGeom>
-        </p:spPr>
-      </p:pic>
-    </p:spTree>
-    <p:extLst>
-      <p:ext uri="{BB962C8B-B14F-4D97-AF65-F5344CB8AC3E}">
-        <p14:creationId xmlns:p14="http://schemas.microsoft.com/office/powerpoint/2010/main" val="546430666"/>
-      </p:ext>
-    </p:extLst>
-  </p:cSld>
-  <p:clrMapOvr>
-    <a:masterClrMapping/>
-  </p:clrMapOvr>
-  <p:transition>
-    <p:fade/>
-  </p:transition>
-  <p:timing>
-    <p:tnLst>
-      <p:par>
-        <p:cTn id="1" dur="indefinite" restart="never" nodeType="tmRoot"/>
-      </p:par>
-    </p:tnLst>
-  </p:timing>
-</p:sld>
-</file>
-
 <file path=ppt/slides/slide7.xml><?xml version="1.0" encoding="utf-8"?>
 <p:sld xmlns:a="http://schemas.openxmlformats.org/drawingml/2006/main" xmlns:r="http://schemas.openxmlformats.org/officeDocument/2006/relationships" xmlns:p="http://schemas.openxmlformats.org/presentationml/2006/main">
   <p:cSld>
@@ -5374,10 +3991,13 @@
           <a:lstStyle/>
           <a:p>
             <a:r>
-              <a:rPr lang="en-US" dirty="0" smtClean="0"/>
-              <a:t>Implicit versus Explicit Forms</a:t>
-            </a:r>
-            <a:endParaRPr lang="en-US" dirty="0"/>
+              <a:rPr lang="en-US" dirty="0" err="1"/>
+              <a:t>NgModel</a:t>
+            </a:r>
+            <a:r>
+              <a:rPr lang="en-US" dirty="0"/>
+              <a:t> &amp; CSS</a:t>
+            </a:r>
           </a:p>
         </p:txBody>
       </p:sp>
@@ -5397,49 +4017,17 @@
           <a:lstStyle/>
           <a:p>
             <a:r>
-              <a:rPr lang="en-US" dirty="0" smtClean="0"/>
-              <a:t>Implicit forms are template driven</a:t>
-            </a:r>
-          </a:p>
-          <a:p>
-            <a:pPr lvl="1"/>
-            <a:r>
-              <a:rPr lang="en-US" dirty="0" smtClean="0"/>
-              <a:t>Use </a:t>
-            </a:r>
-            <a:r>
-              <a:rPr lang="en-US" dirty="0" err="1" smtClean="0"/>
-              <a:t>ngForm</a:t>
-            </a:r>
-            <a:r>
-              <a:rPr lang="en-US" dirty="0" smtClean="0"/>
-              <a:t> and </a:t>
-            </a:r>
-            <a:r>
-              <a:rPr lang="en-US" dirty="0" err="1" smtClean="0"/>
-              <a:t>ngControl</a:t>
-            </a:r>
-            <a:r>
-              <a:rPr lang="en-US" dirty="0" smtClean="0"/>
-              <a:t> in a template</a:t>
-            </a:r>
-          </a:p>
-          <a:p>
-            <a:r>
-              <a:rPr lang="en-US" dirty="0" smtClean="0"/>
-              <a:t>Explicit forms require some component code</a:t>
-            </a:r>
-          </a:p>
-          <a:p>
-            <a:pPr lvl="1"/>
-            <a:r>
-              <a:rPr lang="en-US" dirty="0" smtClean="0"/>
-              <a:t>More powerful and gives programmatic access to controls</a:t>
-            </a:r>
-          </a:p>
-          <a:p>
-            <a:pPr lvl="1"/>
-            <a:endParaRPr lang="en-US" dirty="0"/>
+              <a:rPr lang="en-US" dirty="0"/>
+              <a:t>Angular adds classes to represent the state of an </a:t>
+            </a:r>
+            <a:r>
+              <a:rPr lang="en-US" dirty="0" err="1"/>
+              <a:t>ngModel</a:t>
+            </a:r>
+            <a:r>
+              <a:rPr lang="en-US" dirty="0"/>
+              <a:t> input</a:t>
+            </a:r>
           </a:p>
         </p:txBody>
       </p:sp>
@@ -5459,8 +4047,8 @@
         </p:blipFill>
         <p:spPr>
           <a:xfrm>
-            <a:off x="1524000" y="3505200"/>
-            <a:ext cx="5867400" cy="2628900"/>
+            <a:off x="304800" y="2971800"/>
+            <a:ext cx="8572500" cy="547345"/>
           </a:xfrm>
           <a:prstGeom prst="rect">
             <a:avLst/>
@@ -5470,7 +4058,7 @@
     </p:spTree>
     <p:extLst>
       <p:ext uri="{BB962C8B-B14F-4D97-AF65-F5344CB8AC3E}">
-        <p14:creationId xmlns:p14="http://schemas.microsoft.com/office/powerpoint/2010/main" val="676039250"/>
+        <p14:creationId xmlns:p14="http://schemas.microsoft.com/office/powerpoint/2010/main" val="452222471"/>
       </p:ext>
     </p:extLst>
   </p:cSld>
@@ -5480,13 +4068,6 @@
   <p:transition>
     <p:fade/>
   </p:transition>
-  <p:timing>
-    <p:tnLst>
-      <p:par>
-        <p:cTn id="1" dur="indefinite" restart="never" nodeType="tmRoot"/>
-      </p:par>
-    </p:tnLst>
-  </p:timing>
 </p:sld>
 </file>
 
@@ -5523,10 +4104,9 @@
           <a:lstStyle/>
           <a:p>
             <a:r>
-              <a:rPr lang="en-US" dirty="0" err="1" smtClean="0"/>
-              <a:t>FormBuilder</a:t>
-            </a:r>
-            <a:endParaRPr lang="en-US" dirty="0"/>
+              <a:rPr lang="en-US" dirty="0"/>
+              <a:t>Validations</a:t>
+            </a:r>
           </a:p>
         </p:txBody>
       </p:sp>
@@ -5546,26 +4126,9 @@
           <a:lstStyle/>
           <a:p>
             <a:r>
-              <a:rPr lang="en-US" dirty="0" smtClean="0"/>
-              <a:t>Injectable service</a:t>
-            </a:r>
-          </a:p>
-          <a:p>
-            <a:r>
-              <a:rPr lang="en-US" dirty="0" smtClean="0"/>
-              <a:t>API for creating control groups with controls</a:t>
-            </a:r>
-          </a:p>
-          <a:p>
-            <a:r>
-              <a:rPr lang="en-US" dirty="0" smtClean="0"/>
-              <a:t>Associate with form using </a:t>
-            </a:r>
-            <a:r>
-              <a:rPr lang="en-US" dirty="0" err="1" smtClean="0"/>
-              <a:t>ngFormModel</a:t>
-            </a:r>
-            <a:endParaRPr lang="en-US" dirty="0"/>
+              <a:rPr lang="en-US" dirty="0"/>
+              <a:t>Use CSS and/or template logic</a:t>
+            </a:r>
           </a:p>
         </p:txBody>
       </p:sp>
@@ -5585,32 +4148,8 @@
         </p:blipFill>
         <p:spPr>
           <a:xfrm>
-            <a:off x="304800" y="2914650"/>
-            <a:ext cx="5010150" cy="1562100"/>
-          </a:xfrm>
-          <a:prstGeom prst="rect">
-            <a:avLst/>
-          </a:prstGeom>
-        </p:spPr>
-      </p:pic>
-      <p:pic>
-        <p:nvPicPr>
-          <p:cNvPr id="5" name="Picture 4"/>
-          <p:cNvPicPr>
-            <a:picLocks noChangeAspect="1"/>
-          </p:cNvPicPr>
-          <p:nvPr/>
-        </p:nvPicPr>
-        <p:blipFill>
-          <a:blip r:embed="rId3"/>
-          <a:stretch>
-            <a:fillRect/>
-          </a:stretch>
-        </p:blipFill>
-        <p:spPr>
-          <a:xfrm>
-            <a:off x="3429000" y="4857750"/>
-            <a:ext cx="5076825" cy="485775"/>
+            <a:off x="762000" y="2187298"/>
+            <a:ext cx="7686675" cy="4170567"/>
           </a:xfrm>
           <a:prstGeom prst="rect">
             <a:avLst/>
@@ -5620,7 +4159,7 @@
     </p:spTree>
     <p:extLst>
       <p:ext uri="{BB962C8B-B14F-4D97-AF65-F5344CB8AC3E}">
-        <p14:creationId xmlns:p14="http://schemas.microsoft.com/office/powerpoint/2010/main" val="113138772"/>
+        <p14:creationId xmlns:p14="http://schemas.microsoft.com/office/powerpoint/2010/main" val="942945507"/>
       </p:ext>
     </p:extLst>
   </p:cSld>
@@ -5630,89 +4169,6 @@
   <p:transition>
     <p:fade/>
   </p:transition>
-  <p:timing>
-    <p:tnLst>
-      <p:par>
-        <p:cTn id="1" dur="indefinite" restart="never" nodeType="tmRoot">
-          <p:childTnLst>
-            <p:seq concurrent="1" nextAc="seek">
-              <p:cTn id="2" dur="indefinite" nodeType="mainSeq">
-                <p:childTnLst>
-                  <p:par>
-                    <p:cTn id="3" fill="hold">
-                      <p:stCondLst>
-                        <p:cond delay="indefinite"/>
-                      </p:stCondLst>
-                      <p:childTnLst>
-                        <p:par>
-                          <p:cTn id="4" fill="hold">
-                            <p:stCondLst>
-                              <p:cond delay="0"/>
-                            </p:stCondLst>
-                            <p:childTnLst>
-                              <p:par>
-                                <p:cTn id="5" presetID="10" presetClass="entr" presetSubtype="0" fill="hold" nodeType="clickEffect">
-                                  <p:stCondLst>
-                                    <p:cond delay="0"/>
-                                  </p:stCondLst>
-                                  <p:childTnLst>
-                                    <p:set>
-                                      <p:cBhvr>
-                                        <p:cTn id="6" dur="1" fill="hold">
-                                          <p:stCondLst>
-                                            <p:cond delay="0"/>
-                                          </p:stCondLst>
-                                        </p:cTn>
-                                        <p:tgtEl>
-                                          <p:spTgt spid="4"/>
-                                        </p:tgtEl>
-                                        <p:attrNameLst>
-                                          <p:attrName>style.visibility</p:attrName>
-                                        </p:attrNameLst>
-                                      </p:cBhvr>
-                                      <p:to>
-                                        <p:strVal val="visible"/>
-                                      </p:to>
-                                    </p:set>
-                                    <p:animEffect transition="in" filter="fade">
-                                      <p:cBhvr>
-                                        <p:cTn id="7" dur="500"/>
-                                        <p:tgtEl>
-                                          <p:spTgt spid="4"/>
-                                        </p:tgtEl>
-                                      </p:cBhvr>
-                                    </p:animEffect>
-                                  </p:childTnLst>
-                                </p:cTn>
-                              </p:par>
-                            </p:childTnLst>
-                          </p:cTn>
-                        </p:par>
-                      </p:childTnLst>
-                    </p:cTn>
-                  </p:par>
-                </p:childTnLst>
-              </p:cTn>
-              <p:prevCondLst>
-                <p:cond evt="onPrev" delay="0">
-                  <p:tgtEl>
-                    <p:sldTgt/>
-                  </p:tgtEl>
-                </p:cond>
-              </p:prevCondLst>
-              <p:nextCondLst>
-                <p:cond evt="onNext" delay="0">
-                  <p:tgtEl>
-                    <p:sldTgt/>
-                  </p:tgtEl>
-                </p:cond>
-              </p:nextCondLst>
-            </p:seq>
-          </p:childTnLst>
-        </p:cTn>
-      </p:par>
-    </p:tnLst>
-  </p:timing>
 </p:sld>
 </file>
 
@@ -5749,24 +4205,15 @@
           <a:lstStyle/>
           <a:p>
             <a:r>
-              <a:rPr lang="en-US" dirty="0" err="1" smtClean="0"/>
-              <a:t>ngFormModel</a:t>
-            </a:r>
-            <a:r>
-              <a:rPr lang="en-US" dirty="0" smtClean="0"/>
-              <a:t> and </a:t>
-            </a:r>
-            <a:r>
-              <a:rPr lang="en-US" dirty="0" err="1" smtClean="0"/>
-              <a:t>ngFormControl</a:t>
-            </a:r>
-            <a:endParaRPr lang="en-US" dirty="0"/>
+              <a:rPr lang="en-US" dirty="0"/>
+              <a:t>Model Driven Forms</a:t>
+            </a:r>
           </a:p>
         </p:txBody>
       </p:sp>
       <p:sp>
         <p:nvSpPr>
-          <p:cNvPr id="4" name="Text Placeholder 3"/>
+          <p:cNvPr id="3" name="Text Placeholder 2"/>
           <p:cNvSpPr>
             <a:spLocks noGrp="1"/>
           </p:cNvSpPr>
@@ -5779,305 +4226,47 @@
           <a:bodyPr/>
           <a:lstStyle/>
           <a:p>
-            <a:endParaRPr lang="en-US" dirty="0"/>
+            <a:r>
+              <a:rPr lang="en-US" dirty="0"/>
+              <a:t>For advanced scenarios</a:t>
+            </a:r>
+          </a:p>
+          <a:p>
+            <a:r>
+              <a:rPr lang="en-US" dirty="0"/>
+              <a:t>Requires explicit data shuffling</a:t>
+            </a:r>
           </a:p>
         </p:txBody>
       </p:sp>
-      <p:sp>
-        <p:nvSpPr>
-          <p:cNvPr id="5" name="Rectangle 4"/>
-          <p:cNvSpPr/>
+      <p:pic>
+        <p:nvPicPr>
+          <p:cNvPr id="4" name="Picture 3"/>
+          <p:cNvPicPr>
+            <a:picLocks noChangeAspect="1"/>
+          </p:cNvPicPr>
           <p:nvPr/>
-        </p:nvSpPr>
+        </p:nvPicPr>
+        <p:blipFill>
+          <a:blip r:embed="rId2"/>
+          <a:stretch>
+            <a:fillRect/>
+          </a:stretch>
+        </p:blipFill>
         <p:spPr>
           <a:xfrm>
-            <a:off x="1600200" y="2171700"/>
-            <a:ext cx="2362200" cy="1524000"/>
+            <a:off x="838200" y="2362200"/>
+            <a:ext cx="7525808" cy="3870416"/>
           </a:xfrm>
           <a:prstGeom prst="rect">
             <a:avLst/>
           </a:prstGeom>
         </p:spPr>
-        <p:style>
-          <a:lnRef idx="2">
-            <a:schemeClr val="dk1">
-              <a:shade val="50000"/>
-            </a:schemeClr>
-          </a:lnRef>
-          <a:fillRef idx="1">
-            <a:schemeClr val="dk1"/>
-          </a:fillRef>
-          <a:effectRef idx="0">
-            <a:schemeClr val="dk1"/>
-          </a:effectRef>
-          <a:fontRef idx="minor">
-            <a:schemeClr val="lt1"/>
-          </a:fontRef>
-        </p:style>
-        <p:txBody>
-          <a:bodyPr rtlCol="0" anchor="ctr"/>
-          <a:lstStyle/>
-          <a:p>
-            <a:pPr algn="ctr"/>
-            <a:r>
-              <a:rPr lang="en-US" dirty="0" err="1" smtClean="0"/>
-              <a:t>ngForm</a:t>
-            </a:r>
-            <a:endParaRPr lang="en-US" dirty="0" smtClean="0"/>
-          </a:p>
-          <a:p>
-            <a:pPr algn="ctr"/>
-            <a:r>
-              <a:rPr lang="en-US" dirty="0" err="1" smtClean="0"/>
-              <a:t>ngControl</a:t>
-            </a:r>
-            <a:endParaRPr lang="en-US" dirty="0"/>
-          </a:p>
-        </p:txBody>
-      </p:sp>
-      <p:sp>
-        <p:nvSpPr>
-          <p:cNvPr id="6" name="Rectangle 5"/>
-          <p:cNvSpPr/>
-          <p:nvPr/>
-        </p:nvSpPr>
-        <p:spPr>
-          <a:xfrm>
-            <a:off x="4724400" y="2159295"/>
-            <a:ext cx="2362200" cy="1524000"/>
-          </a:xfrm>
-          <a:prstGeom prst="rect">
-            <a:avLst/>
-          </a:prstGeom>
-        </p:spPr>
-        <p:style>
-          <a:lnRef idx="2">
-            <a:schemeClr val="dk1">
-              <a:shade val="50000"/>
-            </a:schemeClr>
-          </a:lnRef>
-          <a:fillRef idx="1">
-            <a:schemeClr val="dk1"/>
-          </a:fillRef>
-          <a:effectRef idx="0">
-            <a:schemeClr val="dk1"/>
-          </a:effectRef>
-          <a:fontRef idx="minor">
-            <a:schemeClr val="lt1"/>
-          </a:fontRef>
-        </p:style>
-        <p:txBody>
-          <a:bodyPr rtlCol="0" anchor="ctr"/>
-          <a:lstStyle/>
-          <a:p>
-            <a:pPr algn="ctr"/>
-            <a:r>
-              <a:rPr lang="en-US" dirty="0" err="1" smtClean="0"/>
-              <a:t>ngFormModel</a:t>
-            </a:r>
-            <a:endParaRPr lang="en-US" dirty="0" smtClean="0"/>
-          </a:p>
-          <a:p>
-            <a:pPr algn="ctr"/>
-            <a:r>
-              <a:rPr lang="en-US" dirty="0" err="1" smtClean="0"/>
-              <a:t>ngFormControl</a:t>
-            </a:r>
-            <a:endParaRPr lang="en-US" dirty="0"/>
-          </a:p>
-        </p:txBody>
-      </p:sp>
-      <p:sp>
-        <p:nvSpPr>
-          <p:cNvPr id="7" name="Rectangle 6"/>
-          <p:cNvSpPr/>
-          <p:nvPr/>
-        </p:nvSpPr>
-        <p:spPr>
-          <a:xfrm>
-            <a:off x="1600200" y="4343400"/>
-            <a:ext cx="2362200" cy="1524000"/>
-          </a:xfrm>
-          <a:prstGeom prst="rect">
-            <a:avLst/>
-          </a:prstGeom>
-        </p:spPr>
-        <p:style>
-          <a:lnRef idx="2">
-            <a:schemeClr val="dk1">
-              <a:shade val="50000"/>
-            </a:schemeClr>
-          </a:lnRef>
-          <a:fillRef idx="1">
-            <a:schemeClr val="dk1"/>
-          </a:fillRef>
-          <a:effectRef idx="0">
-            <a:schemeClr val="dk1"/>
-          </a:effectRef>
-          <a:fontRef idx="minor">
-            <a:schemeClr val="lt1"/>
-          </a:fontRef>
-        </p:style>
-        <p:txBody>
-          <a:bodyPr rtlCol="0" anchor="ctr"/>
-          <a:lstStyle/>
-          <a:p>
-            <a:pPr algn="ctr"/>
-            <a:r>
-              <a:rPr lang="en-US" dirty="0" smtClean="0"/>
-              <a:t>New Control Group</a:t>
-            </a:r>
-          </a:p>
-          <a:p>
-            <a:pPr algn="ctr"/>
-            <a:r>
-              <a:rPr lang="en-US" dirty="0" smtClean="0"/>
-              <a:t>(implicit)</a:t>
-            </a:r>
-            <a:endParaRPr lang="en-US" dirty="0"/>
-          </a:p>
-        </p:txBody>
-      </p:sp>
-      <p:sp>
-        <p:nvSpPr>
-          <p:cNvPr id="8" name="Rectangle 7"/>
-          <p:cNvSpPr/>
-          <p:nvPr/>
-        </p:nvSpPr>
-        <p:spPr>
-          <a:xfrm>
-            <a:off x="4724400" y="4394790"/>
-            <a:ext cx="2362200" cy="1524000"/>
-          </a:xfrm>
-          <a:prstGeom prst="rect">
-            <a:avLst/>
-          </a:prstGeom>
-        </p:spPr>
-        <p:style>
-          <a:lnRef idx="2">
-            <a:schemeClr val="dk1">
-              <a:shade val="50000"/>
-            </a:schemeClr>
-          </a:lnRef>
-          <a:fillRef idx="1">
-            <a:schemeClr val="dk1"/>
-          </a:fillRef>
-          <a:effectRef idx="0">
-            <a:schemeClr val="dk1"/>
-          </a:effectRef>
-          <a:fontRef idx="minor">
-            <a:schemeClr val="lt1"/>
-          </a:fontRef>
-        </p:style>
-        <p:txBody>
-          <a:bodyPr rtlCol="0" anchor="ctr"/>
-          <a:lstStyle/>
-          <a:p>
-            <a:pPr algn="ctr"/>
-            <a:r>
-              <a:rPr lang="en-US" dirty="0" smtClean="0"/>
-              <a:t>Component </a:t>
-            </a:r>
-            <a:r>
-              <a:rPr lang="en-US" dirty="0" err="1" smtClean="0"/>
-              <a:t>FormBuilder</a:t>
-            </a:r>
-            <a:endParaRPr lang="en-US" dirty="0" smtClean="0"/>
-          </a:p>
-          <a:p>
-            <a:pPr algn="ctr"/>
-            <a:r>
-              <a:rPr lang="en-US" dirty="0" smtClean="0"/>
-              <a:t>(explicit)</a:t>
-            </a:r>
-            <a:endParaRPr lang="en-US" dirty="0"/>
-          </a:p>
-        </p:txBody>
-      </p:sp>
-      <p:sp>
-        <p:nvSpPr>
-          <p:cNvPr id="9" name="Right Arrow 8"/>
-          <p:cNvSpPr/>
-          <p:nvPr/>
-        </p:nvSpPr>
-        <p:spPr>
-          <a:xfrm rot="5400000">
-            <a:off x="2438400" y="3810000"/>
-            <a:ext cx="685800" cy="381000"/>
-          </a:xfrm>
-          <a:prstGeom prst="rightArrow">
-            <a:avLst/>
-          </a:prstGeom>
-        </p:spPr>
-        <p:style>
-          <a:lnRef idx="2">
-            <a:schemeClr val="accent1">
-              <a:shade val="50000"/>
-            </a:schemeClr>
-          </a:lnRef>
-          <a:fillRef idx="1">
-            <a:schemeClr val="accent1"/>
-          </a:fillRef>
-          <a:effectRef idx="0">
-            <a:schemeClr val="accent1"/>
-          </a:effectRef>
-          <a:fontRef idx="minor">
-            <a:schemeClr val="lt1"/>
-          </a:fontRef>
-        </p:style>
-        <p:txBody>
-          <a:bodyPr rtlCol="0" anchor="ctr"/>
-          <a:lstStyle/>
-          <a:p>
-            <a:pPr algn="ctr"/>
-            <a:endParaRPr lang="en-US"/>
-          </a:p>
-        </p:txBody>
-      </p:sp>
-      <p:sp>
-        <p:nvSpPr>
-          <p:cNvPr id="10" name="Right Arrow 9"/>
-          <p:cNvSpPr/>
-          <p:nvPr/>
-        </p:nvSpPr>
-        <p:spPr>
-          <a:xfrm rot="5400000">
-            <a:off x="5600700" y="3810000"/>
-            <a:ext cx="685800" cy="381000"/>
-          </a:xfrm>
-          <a:prstGeom prst="rightArrow">
-            <a:avLst/>
-          </a:prstGeom>
-        </p:spPr>
-        <p:style>
-          <a:lnRef idx="2">
-            <a:schemeClr val="accent1">
-              <a:shade val="50000"/>
-            </a:schemeClr>
-          </a:lnRef>
-          <a:fillRef idx="1">
-            <a:schemeClr val="accent1"/>
-          </a:fillRef>
-          <a:effectRef idx="0">
-            <a:schemeClr val="accent1"/>
-          </a:effectRef>
-          <a:fontRef idx="minor">
-            <a:schemeClr val="lt1"/>
-          </a:fontRef>
-        </p:style>
-        <p:txBody>
-          <a:bodyPr rtlCol="0" anchor="ctr"/>
-          <a:lstStyle/>
-          <a:p>
-            <a:pPr algn="ctr"/>
-            <a:endParaRPr lang="en-US"/>
-          </a:p>
-        </p:txBody>
-      </p:sp>
+      </p:pic>
     </p:spTree>
     <p:extLst>
       <p:ext uri="{BB962C8B-B14F-4D97-AF65-F5344CB8AC3E}">
-        <p14:creationId xmlns:p14="http://schemas.microsoft.com/office/powerpoint/2010/main" val="3288864774"/>
+        <p14:creationId xmlns:p14="http://schemas.microsoft.com/office/powerpoint/2010/main" val="1370822490"/>
       </p:ext>
     </p:extLst>
   </p:cSld>
@@ -6087,326 +4276,6 @@
   <p:transition>
     <p:fade/>
   </p:transition>
-  <p:timing>
-    <p:tnLst>
-      <p:par>
-        <p:cTn id="1" dur="indefinite" restart="never" nodeType="tmRoot">
-          <p:childTnLst>
-            <p:seq concurrent="1" nextAc="seek">
-              <p:cTn id="2" dur="indefinite" nodeType="mainSeq">
-                <p:childTnLst>
-                  <p:par>
-                    <p:cTn id="3" fill="hold">
-                      <p:stCondLst>
-                        <p:cond delay="indefinite"/>
-                      </p:stCondLst>
-                      <p:childTnLst>
-                        <p:par>
-                          <p:cTn id="4" fill="hold">
-                            <p:stCondLst>
-                              <p:cond delay="0"/>
-                            </p:stCondLst>
-                            <p:childTnLst>
-                              <p:par>
-                                <p:cTn id="5" presetID="10" presetClass="entr" presetSubtype="0" fill="hold" grpId="0" nodeType="clickEffect">
-                                  <p:stCondLst>
-                                    <p:cond delay="0"/>
-                                  </p:stCondLst>
-                                  <p:childTnLst>
-                                    <p:set>
-                                      <p:cBhvr>
-                                        <p:cTn id="6" dur="1" fill="hold">
-                                          <p:stCondLst>
-                                            <p:cond delay="0"/>
-                                          </p:stCondLst>
-                                        </p:cTn>
-                                        <p:tgtEl>
-                                          <p:spTgt spid="5"/>
-                                        </p:tgtEl>
-                                        <p:attrNameLst>
-                                          <p:attrName>style.visibility</p:attrName>
-                                        </p:attrNameLst>
-                                      </p:cBhvr>
-                                      <p:to>
-                                        <p:strVal val="visible"/>
-                                      </p:to>
-                                    </p:set>
-                                    <p:animEffect transition="in" filter="fade">
-                                      <p:cBhvr>
-                                        <p:cTn id="7" dur="500"/>
-                                        <p:tgtEl>
-                                          <p:spTgt spid="5"/>
-                                        </p:tgtEl>
-                                      </p:cBhvr>
-                                    </p:animEffect>
-                                  </p:childTnLst>
-                                </p:cTn>
-                              </p:par>
-                            </p:childTnLst>
-                          </p:cTn>
-                        </p:par>
-                      </p:childTnLst>
-                    </p:cTn>
-                  </p:par>
-                  <p:par>
-                    <p:cTn id="8" fill="hold">
-                      <p:stCondLst>
-                        <p:cond delay="indefinite"/>
-                      </p:stCondLst>
-                      <p:childTnLst>
-                        <p:par>
-                          <p:cTn id="9" fill="hold">
-                            <p:stCondLst>
-                              <p:cond delay="0"/>
-                            </p:stCondLst>
-                            <p:childTnLst>
-                              <p:par>
-                                <p:cTn id="10" presetID="10" presetClass="entr" presetSubtype="0" fill="hold" grpId="0" nodeType="clickEffect">
-                                  <p:stCondLst>
-                                    <p:cond delay="0"/>
-                                  </p:stCondLst>
-                                  <p:childTnLst>
-                                    <p:set>
-                                      <p:cBhvr>
-                                        <p:cTn id="11" dur="1" fill="hold">
-                                          <p:stCondLst>
-                                            <p:cond delay="0"/>
-                                          </p:stCondLst>
-                                        </p:cTn>
-                                        <p:tgtEl>
-                                          <p:spTgt spid="6"/>
-                                        </p:tgtEl>
-                                        <p:attrNameLst>
-                                          <p:attrName>style.visibility</p:attrName>
-                                        </p:attrNameLst>
-                                      </p:cBhvr>
-                                      <p:to>
-                                        <p:strVal val="visible"/>
-                                      </p:to>
-                                    </p:set>
-                                    <p:animEffect transition="in" filter="fade">
-                                      <p:cBhvr>
-                                        <p:cTn id="12" dur="500"/>
-                                        <p:tgtEl>
-                                          <p:spTgt spid="6"/>
-                                        </p:tgtEl>
-                                      </p:cBhvr>
-                                    </p:animEffect>
-                                  </p:childTnLst>
-                                </p:cTn>
-                              </p:par>
-                            </p:childTnLst>
-                          </p:cTn>
-                        </p:par>
-                      </p:childTnLst>
-                    </p:cTn>
-                  </p:par>
-                  <p:par>
-                    <p:cTn id="13" fill="hold">
-                      <p:stCondLst>
-                        <p:cond delay="indefinite"/>
-                      </p:stCondLst>
-                      <p:childTnLst>
-                        <p:par>
-                          <p:cTn id="14" fill="hold">
-                            <p:stCondLst>
-                              <p:cond delay="0"/>
-                            </p:stCondLst>
-                            <p:childTnLst>
-                              <p:par>
-                                <p:cTn id="15" presetID="10" presetClass="entr" presetSubtype="0" fill="hold" grpId="0" nodeType="clickEffect">
-                                  <p:stCondLst>
-                                    <p:cond delay="0"/>
-                                  </p:stCondLst>
-                                  <p:childTnLst>
-                                    <p:set>
-                                      <p:cBhvr>
-                                        <p:cTn id="16" dur="1" fill="hold">
-                                          <p:stCondLst>
-                                            <p:cond delay="0"/>
-                                          </p:stCondLst>
-                                        </p:cTn>
-                                        <p:tgtEl>
-                                          <p:spTgt spid="7"/>
-                                        </p:tgtEl>
-                                        <p:attrNameLst>
-                                          <p:attrName>style.visibility</p:attrName>
-                                        </p:attrNameLst>
-                                      </p:cBhvr>
-                                      <p:to>
-                                        <p:strVal val="visible"/>
-                                      </p:to>
-                                    </p:set>
-                                    <p:animEffect transition="in" filter="fade">
-                                      <p:cBhvr>
-                                        <p:cTn id="17" dur="500"/>
-                                        <p:tgtEl>
-                                          <p:spTgt spid="7"/>
-                                        </p:tgtEl>
-                                      </p:cBhvr>
-                                    </p:animEffect>
-                                  </p:childTnLst>
-                                </p:cTn>
-                              </p:par>
-                              <p:par>
-                                <p:cTn id="18" presetID="10" presetClass="entr" presetSubtype="0" fill="hold" grpId="0" nodeType="withEffect">
-                                  <p:stCondLst>
-                                    <p:cond delay="0"/>
-                                  </p:stCondLst>
-                                  <p:childTnLst>
-                                    <p:set>
-                                      <p:cBhvr>
-                                        <p:cTn id="19" dur="1" fill="hold">
-                                          <p:stCondLst>
-                                            <p:cond delay="0"/>
-                                          </p:stCondLst>
-                                        </p:cTn>
-                                        <p:tgtEl>
-                                          <p:spTgt spid="9"/>
-                                        </p:tgtEl>
-                                        <p:attrNameLst>
-                                          <p:attrName>style.visibility</p:attrName>
-                                        </p:attrNameLst>
-                                      </p:cBhvr>
-                                      <p:to>
-                                        <p:strVal val="visible"/>
-                                      </p:to>
-                                    </p:set>
-                                    <p:animEffect transition="in" filter="fade">
-                                      <p:cBhvr>
-                                        <p:cTn id="20" dur="500"/>
-                                        <p:tgtEl>
-                                          <p:spTgt spid="9"/>
-                                        </p:tgtEl>
-                                      </p:cBhvr>
-                                    </p:animEffect>
-                                  </p:childTnLst>
-                                </p:cTn>
-                              </p:par>
-                            </p:childTnLst>
-                          </p:cTn>
-                        </p:par>
-                      </p:childTnLst>
-                    </p:cTn>
-                  </p:par>
-                  <p:par>
-                    <p:cTn id="21" fill="hold">
-                      <p:stCondLst>
-                        <p:cond delay="indefinite"/>
-                      </p:stCondLst>
-                      <p:childTnLst>
-                        <p:par>
-                          <p:cTn id="22" fill="hold">
-                            <p:stCondLst>
-                              <p:cond delay="0"/>
-                            </p:stCondLst>
-                            <p:childTnLst>
-                              <p:par>
-                                <p:cTn id="23" presetID="10" presetClass="entr" presetSubtype="0" fill="hold" grpId="0" nodeType="clickEffect">
-                                  <p:stCondLst>
-                                    <p:cond delay="0"/>
-                                  </p:stCondLst>
-                                  <p:childTnLst>
-                                    <p:set>
-                                      <p:cBhvr>
-                                        <p:cTn id="24" dur="1" fill="hold">
-                                          <p:stCondLst>
-                                            <p:cond delay="0"/>
-                                          </p:stCondLst>
-                                        </p:cTn>
-                                        <p:tgtEl>
-                                          <p:spTgt spid="8"/>
-                                        </p:tgtEl>
-                                        <p:attrNameLst>
-                                          <p:attrName>style.visibility</p:attrName>
-                                        </p:attrNameLst>
-                                      </p:cBhvr>
-                                      <p:to>
-                                        <p:strVal val="visible"/>
-                                      </p:to>
-                                    </p:set>
-                                    <p:animEffect transition="in" filter="fade">
-                                      <p:cBhvr>
-                                        <p:cTn id="25" dur="500"/>
-                                        <p:tgtEl>
-                                          <p:spTgt spid="8"/>
-                                        </p:tgtEl>
-                                      </p:cBhvr>
-                                    </p:animEffect>
-                                  </p:childTnLst>
-                                </p:cTn>
-                              </p:par>
-                              <p:par>
-                                <p:cTn id="26" presetID="10" presetClass="entr" presetSubtype="0" fill="hold" grpId="0" nodeType="withEffect">
-                                  <p:stCondLst>
-                                    <p:cond delay="0"/>
-                                  </p:stCondLst>
-                                  <p:childTnLst>
-                                    <p:set>
-                                      <p:cBhvr>
-                                        <p:cTn id="27" dur="1" fill="hold">
-                                          <p:stCondLst>
-                                            <p:cond delay="0"/>
-                                          </p:stCondLst>
-                                        </p:cTn>
-                                        <p:tgtEl>
-                                          <p:spTgt spid="10"/>
-                                        </p:tgtEl>
-                                        <p:attrNameLst>
-                                          <p:attrName>style.visibility</p:attrName>
-                                        </p:attrNameLst>
-                                      </p:cBhvr>
-                                      <p:to>
-                                        <p:strVal val="visible"/>
-                                      </p:to>
-                                    </p:set>
-                                    <p:animEffect transition="in" filter="fade">
-                                      <p:cBhvr>
-                                        <p:cTn id="28" dur="500"/>
-                                        <p:tgtEl>
-                                          <p:spTgt spid="10"/>
-                                        </p:tgtEl>
-                                      </p:cBhvr>
-                                    </p:animEffect>
-                                  </p:childTnLst>
-                                </p:cTn>
-                              </p:par>
-                            </p:childTnLst>
-                          </p:cTn>
-                        </p:par>
-                      </p:childTnLst>
-                    </p:cTn>
-                  </p:par>
-                </p:childTnLst>
-              </p:cTn>
-              <p:prevCondLst>
-                <p:cond evt="onPrev" delay="0">
-                  <p:tgtEl>
-                    <p:sldTgt/>
-                  </p:tgtEl>
-                </p:cond>
-              </p:prevCondLst>
-              <p:nextCondLst>
-                <p:cond evt="onNext" delay="0">
-                  <p:tgtEl>
-                    <p:sldTgt/>
-                  </p:tgtEl>
-                </p:cond>
-              </p:nextCondLst>
-            </p:seq>
-          </p:childTnLst>
-        </p:cTn>
-      </p:par>
-    </p:tnLst>
-    <p:bldLst>
-      <p:bldP spid="5" grpId="0" animBg="1"/>
-      <p:bldP spid="6" grpId="0" animBg="1"/>
-      <p:bldP spid="7" grpId="0" animBg="1"/>
-      <p:bldP spid="8" grpId="0" animBg="1"/>
-      <p:bldP spid="9" grpId="0" animBg="1"/>
-      <p:bldP spid="10" grpId="0" animBg="1"/>
-    </p:bldLst>
-  </p:timing>
 </p:sld>
 </file>
 

--- a/angular2/slides/06_forms.pptx
+++ b/angular2/slides/06_forms.pptx
@@ -277,7 +277,7 @@
               <a:pPr>
                 <a:defRPr/>
               </a:pPr>
-              <a:t>7/28/2016</a:t>
+              <a:t>11/9/2016</a:t>
             </a:fld>
             <a:endParaRPr lang="en-US"/>
           </a:p>
@@ -3395,20 +3395,9 @@
           <a:bodyPr/>
           <a:lstStyle/>
           <a:p>
-            <a:r>
-              <a:rPr lang="en-US" dirty="0"/>
-              <a:t>Current scenario:</a:t>
-            </a:r>
-          </a:p>
-          <a:p>
-            <a:pPr lvl="1"/>
-            <a:r>
-              <a:rPr lang="en-US" dirty="0"/>
-              <a:t>Explicitly disable deprecated forms API</a:t>
-            </a:r>
-          </a:p>
-          <a:p>
-            <a:pPr lvl="1"/>
+            <a:pPr marL="457200" lvl="1" indent="0">
+              <a:buNone/>
+            </a:pPr>
             <a:r>
               <a:rPr lang="en-US" dirty="0"/>
               <a:t>Enable new forms API</a:t>
@@ -3432,7 +3421,7 @@
         </p:blipFill>
         <p:spPr>
           <a:xfrm>
-            <a:off x="929446" y="2743200"/>
+            <a:off x="929446" y="2362200"/>
             <a:ext cx="7285107" cy="3460141"/>
           </a:xfrm>
           <a:prstGeom prst="rect">
